--- a/slides/Presentation_CNN_ResNet_SeaAnimals.pptx
+++ b/slides/Presentation_CNN_ResNet_SeaAnimals.pptx
@@ -237,7 +237,7 @@
           <a:p>
             <a:fld id="{81FB68E9-A38F-4AAC-8EA2-5B001A8F3672}" type="datetimeFigureOut">
               <a:rPr lang="el-GR" smtClean="0"/>
-              <a:t>2/7/2025</a:t>
+              <a:t>3/7/2025</a:t>
             </a:fld>
             <a:endParaRPr lang="el-GR"/>
           </a:p>
@@ -548,41 +548,124 @@
           <a:bodyPr/>
           <a:lstStyle/>
           <a:p>
+            <a:pPr marL="0" marR="0" lvl="0" indent="0" algn="l" defTabSz="914400" rtl="0" eaLnBrk="1" fontAlgn="auto" latinLnBrk="0" hangingPunct="1">
+              <a:lnSpc>
+                <a:spcPct val="100000"/>
+              </a:lnSpc>
+              <a:spcBef>
+                <a:spcPts val="0"/>
+              </a:spcBef>
+              <a:spcAft>
+                <a:spcPts val="0"/>
+              </a:spcAft>
+              <a:buClrTx/>
+              <a:buSzTx/>
+              <a:buFontTx/>
+              <a:buNone/>
+              <a:tabLst/>
+              <a:defRPr/>
+            </a:pPr>
+            <a:r>
+              <a:rPr lang="el-GR" sz="1200" kern="1200" dirty="0">
+                <a:solidFill>
+                  <a:schemeClr val="tx1"/>
+                </a:solidFill>
+                <a:effectLst/>
+                <a:latin typeface="+mn-lt"/>
+                <a:ea typeface="+mn-ea"/>
+                <a:cs typeface="+mn-cs"/>
+              </a:rPr>
+              <a:t>«Καλησπέρα σας, θα σας παρουσιάσουμε την εργασία μας με τίτλο: </a:t>
+            </a:r>
+            <a:r>
+              <a:rPr lang="el-GR" sz="1200" i="1" kern="1200" dirty="0">
+                <a:solidFill>
+                  <a:schemeClr val="tx1"/>
+                </a:solidFill>
+                <a:effectLst/>
+                <a:latin typeface="+mn-lt"/>
+                <a:ea typeface="+mn-ea"/>
+                <a:cs typeface="+mn-cs"/>
+              </a:rPr>
+              <a:t>Ταξινόμηση Θαλάσσιων Ειδών Ζώων με χρήση </a:t>
+            </a:r>
+            <a:r>
+              <a:rPr lang="el-GR" sz="1200" i="1" kern="1200" dirty="0" err="1">
+                <a:solidFill>
+                  <a:schemeClr val="tx1"/>
+                </a:solidFill>
+                <a:effectLst/>
+                <a:latin typeface="+mn-lt"/>
+                <a:ea typeface="+mn-ea"/>
+                <a:cs typeface="+mn-cs"/>
+              </a:rPr>
+              <a:t>CNNs</a:t>
+            </a:r>
+            <a:r>
+              <a:rPr lang="el-GR" sz="1200" i="1" kern="1200" dirty="0">
+                <a:solidFill>
+                  <a:schemeClr val="tx1"/>
+                </a:solidFill>
+                <a:effectLst/>
+                <a:latin typeface="+mn-lt"/>
+                <a:ea typeface="+mn-ea"/>
+                <a:cs typeface="+mn-cs"/>
+              </a:rPr>
+              <a:t> και </a:t>
+            </a:r>
+            <a:r>
+              <a:rPr lang="el-GR" sz="1200" i="1" kern="1200" dirty="0" err="1">
+                <a:solidFill>
+                  <a:schemeClr val="tx1"/>
+                </a:solidFill>
+                <a:effectLst/>
+                <a:latin typeface="+mn-lt"/>
+                <a:ea typeface="+mn-ea"/>
+                <a:cs typeface="+mn-cs"/>
+              </a:rPr>
+              <a:t>Transfer</a:t>
+            </a:r>
+            <a:r>
+              <a:rPr lang="el-GR" sz="1200" i="1" kern="1200" dirty="0">
+                <a:solidFill>
+                  <a:schemeClr val="tx1"/>
+                </a:solidFill>
+                <a:effectLst/>
+                <a:latin typeface="+mn-lt"/>
+                <a:ea typeface="+mn-ea"/>
+                <a:cs typeface="+mn-cs"/>
+              </a:rPr>
+              <a:t> </a:t>
+            </a:r>
+            <a:r>
+              <a:rPr lang="el-GR" sz="1200" i="1" kern="1200" dirty="0" err="1">
+                <a:solidFill>
+                  <a:schemeClr val="tx1"/>
+                </a:solidFill>
+                <a:effectLst/>
+                <a:latin typeface="+mn-lt"/>
+                <a:ea typeface="+mn-ea"/>
+                <a:cs typeface="+mn-cs"/>
+              </a:rPr>
+              <a:t>Learning</a:t>
+            </a:r>
+            <a:r>
+              <a:rPr lang="el-GR" sz="1200" kern="1200" dirty="0">
+                <a:solidFill>
+                  <a:schemeClr val="tx1"/>
+                </a:solidFill>
+                <a:effectLst/>
+                <a:latin typeface="+mn-lt"/>
+                <a:ea typeface="+mn-ea"/>
+                <a:cs typeface="+mn-cs"/>
+              </a:rPr>
+              <a:t>.»</a:t>
+            </a:r>
+          </a:p>
+          <a:p>
             <a:pPr>
               <a:buNone/>
             </a:pPr>
-            <a:r>
-              <a:rPr lang="el-GR" dirty="0"/>
-              <a:t>Καλησπέρα σας. Στην εργασία μας εξετάσαμε τη δυνατότητα αυτόματης ταξινόμησης θαλάσσιων οργανισμών μέσα από τεχνικές</a:t>
-            </a:r>
-            <a:r>
-              <a:rPr lang="en-US" dirty="0"/>
-              <a:t> deep learning, </a:t>
-            </a:r>
-            <a:r>
-              <a:rPr lang="el-GR" dirty="0" err="1"/>
-              <a:t>συγκεκριμενα</a:t>
-            </a:r>
-            <a:r>
-              <a:rPr lang="el-GR" dirty="0"/>
-              <a:t> </a:t>
-            </a:r>
-            <a:r>
-              <a:rPr lang="en-US" dirty="0" err="1"/>
-              <a:t>cnns</a:t>
-            </a:r>
-            <a:r>
-              <a:rPr lang="en-US" dirty="0"/>
-              <a:t> </a:t>
-            </a:r>
-            <a:r>
-              <a:rPr lang="el-GR" dirty="0"/>
-              <a:t>και </a:t>
-            </a:r>
-            <a:r>
-              <a:rPr lang="en-US" dirty="0"/>
-              <a:t>transfer learning.</a:t>
-            </a:r>
             <a:endParaRPr lang="el-GR" dirty="0"/>
           </a:p>
         </p:txBody>
@@ -667,74 +750,140 @@
           <a:bodyPr/>
           <a:lstStyle/>
           <a:p>
+            <a:pPr marL="0" marR="0">
+              <a:lnSpc>
+                <a:spcPct val="107000"/>
+              </a:lnSpc>
+              <a:spcAft>
+                <a:spcPts val="800"/>
+              </a:spcAft>
+              <a:buNone/>
+            </a:pPr>
+            <a:r>
+              <a:rPr lang="el-GR" sz="1200" kern="100" dirty="0">
+                <a:effectLst/>
+                <a:latin typeface="Calibri" panose="020F0502020204030204" pitchFamily="34" charset="0"/>
+                <a:ea typeface="Calibri" panose="020F0502020204030204" pitchFamily="34" charset="0"/>
+                <a:cs typeface="Times New Roman" panose="02020603050405020304" pitchFamily="18" charset="0"/>
+              </a:rPr>
+              <a:t>«Και τα δύο μοντέλα είχαν σταθερό </a:t>
+            </a:r>
+            <a:r>
+              <a:rPr lang="el-GR" sz="1200" kern="100" dirty="0" err="1">
+                <a:effectLst/>
+                <a:latin typeface="Calibri" panose="020F0502020204030204" pitchFamily="34" charset="0"/>
+                <a:ea typeface="Calibri" panose="020F0502020204030204" pitchFamily="34" charset="0"/>
+                <a:cs typeface="Times New Roman" panose="02020603050405020304" pitchFamily="18" charset="0"/>
+              </a:rPr>
+              <a:t>training</a:t>
+            </a:r>
+            <a:r>
+              <a:rPr lang="el-GR" sz="1200" kern="100" dirty="0">
+                <a:effectLst/>
+                <a:latin typeface="Calibri" panose="020F0502020204030204" pitchFamily="34" charset="0"/>
+                <a:ea typeface="Calibri" panose="020F0502020204030204" pitchFamily="34" charset="0"/>
+                <a:cs typeface="Times New Roman" panose="02020603050405020304" pitchFamily="18" charset="0"/>
+              </a:rPr>
+              <a:t> </a:t>
+            </a:r>
+            <a:r>
+              <a:rPr lang="el-GR" sz="1200" kern="100" dirty="0" err="1">
+                <a:effectLst/>
+                <a:latin typeface="Calibri" panose="020F0502020204030204" pitchFamily="34" charset="0"/>
+                <a:ea typeface="Calibri" panose="020F0502020204030204" pitchFamily="34" charset="0"/>
+                <a:cs typeface="Times New Roman" panose="02020603050405020304" pitchFamily="18" charset="0"/>
+              </a:rPr>
+              <a:t>loss</a:t>
+            </a:r>
+            <a:r>
+              <a:rPr lang="el-GR" sz="1200" kern="100" dirty="0">
+                <a:effectLst/>
+                <a:latin typeface="Calibri" panose="020F0502020204030204" pitchFamily="34" charset="0"/>
+                <a:ea typeface="Calibri" panose="020F0502020204030204" pitchFamily="34" charset="0"/>
+                <a:cs typeface="Times New Roman" panose="02020603050405020304" pitchFamily="18" charset="0"/>
+              </a:rPr>
+              <a:t>. Το CNN02 γενίκευε καλύτερα λόγω μεγαλύτερης πολυπλοκότητας και </a:t>
+            </a:r>
+            <a:r>
+              <a:rPr lang="el-GR" sz="1200" kern="100" dirty="0" err="1">
+                <a:effectLst/>
+                <a:latin typeface="Calibri" panose="020F0502020204030204" pitchFamily="34" charset="0"/>
+                <a:ea typeface="Calibri" panose="020F0502020204030204" pitchFamily="34" charset="0"/>
+                <a:cs typeface="Times New Roman" panose="02020603050405020304" pitchFamily="18" charset="0"/>
+              </a:rPr>
+              <a:t>dropout</a:t>
+            </a:r>
+            <a:r>
+              <a:rPr lang="el-GR" sz="1200" kern="100" dirty="0">
+                <a:effectLst/>
+                <a:latin typeface="Calibri" panose="020F0502020204030204" pitchFamily="34" charset="0"/>
+                <a:ea typeface="Calibri" panose="020F0502020204030204" pitchFamily="34" charset="0"/>
+                <a:cs typeface="Times New Roman" panose="02020603050405020304" pitchFamily="18" charset="0"/>
+              </a:rPr>
+              <a:t>. Όμως, η διαφορά απόδοσης ήταν μικρή (~1%), κάτι που μας ώθησε να δοκιμάσουμε </a:t>
+            </a:r>
+            <a:r>
+              <a:rPr lang="el-GR" sz="1200" kern="100" dirty="0" err="1">
+                <a:effectLst/>
+                <a:latin typeface="Calibri" panose="020F0502020204030204" pitchFamily="34" charset="0"/>
+                <a:ea typeface="Calibri" panose="020F0502020204030204" pitchFamily="34" charset="0"/>
+                <a:cs typeface="Times New Roman" panose="02020603050405020304" pitchFamily="18" charset="0"/>
+              </a:rPr>
+              <a:t>Transfer</a:t>
+            </a:r>
+            <a:r>
+              <a:rPr lang="el-GR" sz="1200" kern="100" dirty="0">
+                <a:effectLst/>
+                <a:latin typeface="Calibri" panose="020F0502020204030204" pitchFamily="34" charset="0"/>
+                <a:ea typeface="Calibri" panose="020F0502020204030204" pitchFamily="34" charset="0"/>
+                <a:cs typeface="Times New Roman" panose="02020603050405020304" pitchFamily="18" charset="0"/>
+              </a:rPr>
+              <a:t> </a:t>
+            </a:r>
+            <a:r>
+              <a:rPr lang="el-GR" sz="1200" kern="100" dirty="0" err="1">
+                <a:effectLst/>
+                <a:latin typeface="Calibri" panose="020F0502020204030204" pitchFamily="34" charset="0"/>
+                <a:ea typeface="Calibri" panose="020F0502020204030204" pitchFamily="34" charset="0"/>
+                <a:cs typeface="Times New Roman" panose="02020603050405020304" pitchFamily="18" charset="0"/>
+              </a:rPr>
+              <a:t>Learning</a:t>
+            </a:r>
+            <a:r>
+              <a:rPr lang="el-GR" sz="1200" kern="100" dirty="0">
+                <a:effectLst/>
+                <a:latin typeface="Calibri" panose="020F0502020204030204" pitchFamily="34" charset="0"/>
+                <a:ea typeface="Calibri" panose="020F0502020204030204" pitchFamily="34" charset="0"/>
+                <a:cs typeface="Times New Roman" panose="02020603050405020304" pitchFamily="18" charset="0"/>
+              </a:rPr>
+              <a:t> με το ResNet18.»</a:t>
+            </a:r>
+          </a:p>
+          <a:p>
+            <a:pPr marL="0" marR="0">
+              <a:lnSpc>
+                <a:spcPct val="107000"/>
+              </a:lnSpc>
+              <a:spcAft>
+                <a:spcPts val="800"/>
+              </a:spcAft>
+            </a:pPr>
+            <a:r>
+              <a:rPr lang="el-GR" sz="1200" kern="100" dirty="0">
+                <a:effectLst/>
+                <a:latin typeface="Calibri" panose="020F0502020204030204" pitchFamily="34" charset="0"/>
+                <a:ea typeface="Calibri" panose="020F0502020204030204" pitchFamily="34" charset="0"/>
+                <a:cs typeface="Times New Roman" panose="02020603050405020304" pitchFamily="18" charset="0"/>
+              </a:rPr>
+              <a:t> </a:t>
+            </a:r>
+          </a:p>
+          <a:p>
             <a:pPr>
               <a:buFont typeface="Arial" panose="020B0604020202020204" pitchFamily="34" charset="0"/>
-              <a:buChar char="•"/>
+              <a:buNone/>
             </a:pPr>
-            <a:r>
-              <a:rPr lang="el-GR" b="1" dirty="0"/>
-              <a:t>"Στη σύγκριση των δύο </a:t>
-            </a:r>
-            <a:r>
-              <a:rPr lang="el-GR" b="1" dirty="0" err="1"/>
-              <a:t>custom</a:t>
-            </a:r>
-            <a:r>
-              <a:rPr lang="el-GR" b="1" dirty="0"/>
-              <a:t> </a:t>
-            </a:r>
-            <a:r>
-              <a:rPr lang="el-GR" b="1" dirty="0" err="1"/>
-              <a:t>CNNs</a:t>
-            </a:r>
-            <a:r>
-              <a:rPr lang="el-GR" b="1" dirty="0"/>
-              <a:t> βλέπουμε ότι το CNN02 είχε ελαφρώς καλύτερη ακρίβεια (79.4%) σε σχέση με το CNN01 (78.4%), κυρίως χάρη σε </a:t>
-            </a:r>
-            <a:r>
-              <a:rPr lang="el-GR" b="1" dirty="0" err="1"/>
-              <a:t>dropout</a:t>
-            </a:r>
-            <a:r>
-              <a:rPr lang="el-GR" b="1" dirty="0"/>
-              <a:t> και μικρότερο </a:t>
-            </a:r>
-            <a:r>
-              <a:rPr lang="el-GR" b="1" dirty="0" err="1"/>
-              <a:t>batch</a:t>
-            </a:r>
-            <a:r>
-              <a:rPr lang="el-GR" b="1" dirty="0"/>
-              <a:t> </a:t>
-            </a:r>
-            <a:r>
-              <a:rPr lang="el-GR" b="1" dirty="0" err="1"/>
-              <a:t>size</a:t>
-            </a:r>
-            <a:r>
-              <a:rPr lang="el-GR" b="1" dirty="0"/>
-              <a:t>, που αύξησαν τη σταθερότητα. Ωστόσο, ο χρόνος εκπαίδευσης ήταν πολύ μεγαλύτερος – 16 λεπτά έναντι 4.</a:t>
-            </a:r>
-            <a:br>
-              <a:rPr lang="el-GR" dirty="0"/>
-            </a:br>
-            <a:r>
-              <a:rPr lang="el-GR" b="1" dirty="0"/>
-              <a:t>Η συνολική βελτίωση ήταν μικρή, κάτι που ανέδειξε την ανάγκη για πιο ισχυρή αρχιτεκτονική. Έτσι, προχωρήσαμε στο ResNet18 με </a:t>
-            </a:r>
-            <a:r>
-              <a:rPr lang="el-GR" b="1" dirty="0" err="1"/>
-              <a:t>Transfer</a:t>
-            </a:r>
-            <a:r>
-              <a:rPr lang="el-GR" b="1" dirty="0"/>
-              <a:t> </a:t>
-            </a:r>
-            <a:r>
-              <a:rPr lang="el-GR" b="1" dirty="0" err="1"/>
-              <a:t>Learning</a:t>
-            </a:r>
-            <a:endParaRPr lang="el-GR" dirty="0"/>
+            <a:endParaRPr lang="el-GR" b="0" dirty="0"/>
           </a:p>
         </p:txBody>
       </p:sp>
@@ -765,6 +914,678 @@
     <p:extLst>
       <p:ext uri="{BB962C8B-B14F-4D97-AF65-F5344CB8AC3E}">
         <p14:creationId xmlns:p14="http://schemas.microsoft.com/office/powerpoint/2010/main" val="3789086521"/>
+      </p:ext>
+    </p:extLst>
+  </p:cSld>
+  <p:clrMapOvr>
+    <a:masterClrMapping/>
+  </p:clrMapOvr>
+</p:notes>
+</file>
+
+<file path=ppt/notesSlides/notesSlide11.xml><?xml version="1.0" encoding="utf-8"?>
+<p:notes xmlns:a="http://schemas.openxmlformats.org/drawingml/2006/main" xmlns:r="http://schemas.openxmlformats.org/officeDocument/2006/relationships" xmlns:p="http://schemas.openxmlformats.org/presentationml/2006/main">
+  <p:cSld>
+    <p:spTree>
+      <p:nvGrpSpPr>
+        <p:cNvPr id="1" name=""/>
+        <p:cNvGrpSpPr/>
+        <p:nvPr/>
+      </p:nvGrpSpPr>
+      <p:grpSpPr>
+        <a:xfrm>
+          <a:off x="0" y="0"/>
+          <a:ext cx="0" cy="0"/>
+          <a:chOff x="0" y="0"/>
+          <a:chExt cx="0" cy="0"/>
+        </a:xfrm>
+      </p:grpSpPr>
+      <p:sp>
+        <p:nvSpPr>
+          <p:cNvPr id="2" name="Θέση εικόνας διαφάνειας 1"/>
+          <p:cNvSpPr>
+            <a:spLocks noGrp="1" noRot="1" noChangeAspect="1"/>
+          </p:cNvSpPr>
+          <p:nvPr>
+            <p:ph type="sldImg"/>
+          </p:nvPr>
+        </p:nvSpPr>
+        <p:spPr/>
+      </p:sp>
+      <p:sp>
+        <p:nvSpPr>
+          <p:cNvPr id="3" name="Θέση σημειώσεων 2"/>
+          <p:cNvSpPr>
+            <a:spLocks noGrp="1"/>
+          </p:cNvSpPr>
+          <p:nvPr>
+            <p:ph type="body" idx="1"/>
+          </p:nvPr>
+        </p:nvSpPr>
+        <p:spPr/>
+        <p:txBody>
+          <a:bodyPr/>
+          <a:lstStyle/>
+          <a:p>
+            <a:endParaRPr lang="el-GR"/>
+          </a:p>
+        </p:txBody>
+      </p:sp>
+      <p:sp>
+        <p:nvSpPr>
+          <p:cNvPr id="4" name="Θέση αριθμού διαφάνειας 3"/>
+          <p:cNvSpPr>
+            <a:spLocks noGrp="1"/>
+          </p:cNvSpPr>
+          <p:nvPr>
+            <p:ph type="sldNum" sz="quarter" idx="5"/>
+          </p:nvPr>
+        </p:nvSpPr>
+        <p:spPr/>
+        <p:txBody>
+          <a:bodyPr/>
+          <a:lstStyle/>
+          <a:p>
+            <a:fld id="{4E7C0C66-D245-4CEA-9D61-391545B2C37C}" type="slidenum">
+              <a:rPr lang="el-GR" smtClean="0"/>
+              <a:t>11</a:t>
+            </a:fld>
+            <a:endParaRPr lang="el-GR"/>
+          </a:p>
+        </p:txBody>
+      </p:sp>
+    </p:spTree>
+    <p:extLst>
+      <p:ext uri="{BB962C8B-B14F-4D97-AF65-F5344CB8AC3E}">
+        <p14:creationId xmlns:p14="http://schemas.microsoft.com/office/powerpoint/2010/main" val="2333720835"/>
+      </p:ext>
+    </p:extLst>
+  </p:cSld>
+  <p:clrMapOvr>
+    <a:masterClrMapping/>
+  </p:clrMapOvr>
+</p:notes>
+</file>
+
+<file path=ppt/notesSlides/notesSlide12.xml><?xml version="1.0" encoding="utf-8"?>
+<p:notes xmlns:a="http://schemas.openxmlformats.org/drawingml/2006/main" xmlns:r="http://schemas.openxmlformats.org/officeDocument/2006/relationships" xmlns:p="http://schemas.openxmlformats.org/presentationml/2006/main">
+  <p:cSld>
+    <p:spTree>
+      <p:nvGrpSpPr>
+        <p:cNvPr id="1" name=""/>
+        <p:cNvGrpSpPr/>
+        <p:nvPr/>
+      </p:nvGrpSpPr>
+      <p:grpSpPr>
+        <a:xfrm>
+          <a:off x="0" y="0"/>
+          <a:ext cx="0" cy="0"/>
+          <a:chOff x="0" y="0"/>
+          <a:chExt cx="0" cy="0"/>
+        </a:xfrm>
+      </p:grpSpPr>
+      <p:sp>
+        <p:nvSpPr>
+          <p:cNvPr id="2" name="Θέση εικόνας διαφάνειας 1"/>
+          <p:cNvSpPr>
+            <a:spLocks noGrp="1" noRot="1" noChangeAspect="1"/>
+          </p:cNvSpPr>
+          <p:nvPr>
+            <p:ph type="sldImg"/>
+          </p:nvPr>
+        </p:nvSpPr>
+        <p:spPr/>
+      </p:sp>
+      <p:sp>
+        <p:nvSpPr>
+          <p:cNvPr id="3" name="Θέση σημειώσεων 2"/>
+          <p:cNvSpPr>
+            <a:spLocks noGrp="1"/>
+          </p:cNvSpPr>
+          <p:nvPr>
+            <p:ph type="body" idx="1"/>
+          </p:nvPr>
+        </p:nvSpPr>
+        <p:spPr/>
+        <p:txBody>
+          <a:bodyPr/>
+          <a:lstStyle/>
+          <a:p>
+            <a:endParaRPr lang="el-GR"/>
+          </a:p>
+        </p:txBody>
+      </p:sp>
+      <p:sp>
+        <p:nvSpPr>
+          <p:cNvPr id="4" name="Θέση αριθμού διαφάνειας 3"/>
+          <p:cNvSpPr>
+            <a:spLocks noGrp="1"/>
+          </p:cNvSpPr>
+          <p:nvPr>
+            <p:ph type="sldNum" sz="quarter" idx="5"/>
+          </p:nvPr>
+        </p:nvSpPr>
+        <p:spPr/>
+        <p:txBody>
+          <a:bodyPr/>
+          <a:lstStyle/>
+          <a:p>
+            <a:fld id="{4E7C0C66-D245-4CEA-9D61-391545B2C37C}" type="slidenum">
+              <a:rPr lang="el-GR" smtClean="0"/>
+              <a:t>12</a:t>
+            </a:fld>
+            <a:endParaRPr lang="el-GR"/>
+          </a:p>
+        </p:txBody>
+      </p:sp>
+    </p:spTree>
+    <p:extLst>
+      <p:ext uri="{BB962C8B-B14F-4D97-AF65-F5344CB8AC3E}">
+        <p14:creationId xmlns:p14="http://schemas.microsoft.com/office/powerpoint/2010/main" val="1413341329"/>
+      </p:ext>
+    </p:extLst>
+  </p:cSld>
+  <p:clrMapOvr>
+    <a:masterClrMapping/>
+  </p:clrMapOvr>
+</p:notes>
+</file>
+
+<file path=ppt/notesSlides/notesSlide13.xml><?xml version="1.0" encoding="utf-8"?>
+<p:notes xmlns:a="http://schemas.openxmlformats.org/drawingml/2006/main" xmlns:r="http://schemas.openxmlformats.org/officeDocument/2006/relationships" xmlns:p="http://schemas.openxmlformats.org/presentationml/2006/main">
+  <p:cSld>
+    <p:spTree>
+      <p:nvGrpSpPr>
+        <p:cNvPr id="1" name=""/>
+        <p:cNvGrpSpPr/>
+        <p:nvPr/>
+      </p:nvGrpSpPr>
+      <p:grpSpPr>
+        <a:xfrm>
+          <a:off x="0" y="0"/>
+          <a:ext cx="0" cy="0"/>
+          <a:chOff x="0" y="0"/>
+          <a:chExt cx="0" cy="0"/>
+        </a:xfrm>
+      </p:grpSpPr>
+      <p:sp>
+        <p:nvSpPr>
+          <p:cNvPr id="2" name="Θέση εικόνας διαφάνειας 1"/>
+          <p:cNvSpPr>
+            <a:spLocks noGrp="1" noRot="1" noChangeAspect="1"/>
+          </p:cNvSpPr>
+          <p:nvPr>
+            <p:ph type="sldImg"/>
+          </p:nvPr>
+        </p:nvSpPr>
+        <p:spPr/>
+      </p:sp>
+      <p:sp>
+        <p:nvSpPr>
+          <p:cNvPr id="3" name="Θέση σημειώσεων 2"/>
+          <p:cNvSpPr>
+            <a:spLocks noGrp="1"/>
+          </p:cNvSpPr>
+          <p:nvPr>
+            <p:ph type="body" idx="1"/>
+          </p:nvPr>
+        </p:nvSpPr>
+        <p:spPr/>
+        <p:txBody>
+          <a:bodyPr/>
+          <a:lstStyle/>
+          <a:p>
+            <a:endParaRPr lang="el-GR"/>
+          </a:p>
+        </p:txBody>
+      </p:sp>
+      <p:sp>
+        <p:nvSpPr>
+          <p:cNvPr id="4" name="Θέση αριθμού διαφάνειας 3"/>
+          <p:cNvSpPr>
+            <a:spLocks noGrp="1"/>
+          </p:cNvSpPr>
+          <p:nvPr>
+            <p:ph type="sldNum" sz="quarter" idx="5"/>
+          </p:nvPr>
+        </p:nvSpPr>
+        <p:spPr/>
+        <p:txBody>
+          <a:bodyPr/>
+          <a:lstStyle/>
+          <a:p>
+            <a:fld id="{4E7C0C66-D245-4CEA-9D61-391545B2C37C}" type="slidenum">
+              <a:rPr lang="el-GR" smtClean="0"/>
+              <a:t>13</a:t>
+            </a:fld>
+            <a:endParaRPr lang="el-GR"/>
+          </a:p>
+        </p:txBody>
+      </p:sp>
+    </p:spTree>
+    <p:extLst>
+      <p:ext uri="{BB962C8B-B14F-4D97-AF65-F5344CB8AC3E}">
+        <p14:creationId xmlns:p14="http://schemas.microsoft.com/office/powerpoint/2010/main" val="2030047981"/>
+      </p:ext>
+    </p:extLst>
+  </p:cSld>
+  <p:clrMapOvr>
+    <a:masterClrMapping/>
+  </p:clrMapOvr>
+</p:notes>
+</file>
+
+<file path=ppt/notesSlides/notesSlide14.xml><?xml version="1.0" encoding="utf-8"?>
+<p:notes xmlns:a="http://schemas.openxmlformats.org/drawingml/2006/main" xmlns:r="http://schemas.openxmlformats.org/officeDocument/2006/relationships" xmlns:p="http://schemas.openxmlformats.org/presentationml/2006/main">
+  <p:cSld>
+    <p:spTree>
+      <p:nvGrpSpPr>
+        <p:cNvPr id="1" name=""/>
+        <p:cNvGrpSpPr/>
+        <p:nvPr/>
+      </p:nvGrpSpPr>
+      <p:grpSpPr>
+        <a:xfrm>
+          <a:off x="0" y="0"/>
+          <a:ext cx="0" cy="0"/>
+          <a:chOff x="0" y="0"/>
+          <a:chExt cx="0" cy="0"/>
+        </a:xfrm>
+      </p:grpSpPr>
+      <p:sp>
+        <p:nvSpPr>
+          <p:cNvPr id="2" name="Θέση εικόνας διαφάνειας 1"/>
+          <p:cNvSpPr>
+            <a:spLocks noGrp="1" noRot="1" noChangeAspect="1"/>
+          </p:cNvSpPr>
+          <p:nvPr>
+            <p:ph type="sldImg"/>
+          </p:nvPr>
+        </p:nvSpPr>
+        <p:spPr/>
+      </p:sp>
+      <p:sp>
+        <p:nvSpPr>
+          <p:cNvPr id="3" name="Θέση σημειώσεων 2"/>
+          <p:cNvSpPr>
+            <a:spLocks noGrp="1"/>
+          </p:cNvSpPr>
+          <p:nvPr>
+            <p:ph type="body" idx="1"/>
+          </p:nvPr>
+        </p:nvSpPr>
+        <p:spPr/>
+        <p:txBody>
+          <a:bodyPr/>
+          <a:lstStyle/>
+          <a:p>
+            <a:endParaRPr lang="el-GR"/>
+          </a:p>
+        </p:txBody>
+      </p:sp>
+      <p:sp>
+        <p:nvSpPr>
+          <p:cNvPr id="4" name="Θέση αριθμού διαφάνειας 3"/>
+          <p:cNvSpPr>
+            <a:spLocks noGrp="1"/>
+          </p:cNvSpPr>
+          <p:nvPr>
+            <p:ph type="sldNum" sz="quarter" idx="5"/>
+          </p:nvPr>
+        </p:nvSpPr>
+        <p:spPr/>
+        <p:txBody>
+          <a:bodyPr/>
+          <a:lstStyle/>
+          <a:p>
+            <a:fld id="{4E7C0C66-D245-4CEA-9D61-391545B2C37C}" type="slidenum">
+              <a:rPr lang="el-GR" smtClean="0"/>
+              <a:t>14</a:t>
+            </a:fld>
+            <a:endParaRPr lang="el-GR"/>
+          </a:p>
+        </p:txBody>
+      </p:sp>
+    </p:spTree>
+    <p:extLst>
+      <p:ext uri="{BB962C8B-B14F-4D97-AF65-F5344CB8AC3E}">
+        <p14:creationId xmlns:p14="http://schemas.microsoft.com/office/powerpoint/2010/main" val="1961751993"/>
+      </p:ext>
+    </p:extLst>
+  </p:cSld>
+  <p:clrMapOvr>
+    <a:masterClrMapping/>
+  </p:clrMapOvr>
+</p:notes>
+</file>
+
+<file path=ppt/notesSlides/notesSlide15.xml><?xml version="1.0" encoding="utf-8"?>
+<p:notes xmlns:a="http://schemas.openxmlformats.org/drawingml/2006/main" xmlns:r="http://schemas.openxmlformats.org/officeDocument/2006/relationships" xmlns:p="http://schemas.openxmlformats.org/presentationml/2006/main">
+  <p:cSld>
+    <p:spTree>
+      <p:nvGrpSpPr>
+        <p:cNvPr id="1" name=""/>
+        <p:cNvGrpSpPr/>
+        <p:nvPr/>
+      </p:nvGrpSpPr>
+      <p:grpSpPr>
+        <a:xfrm>
+          <a:off x="0" y="0"/>
+          <a:ext cx="0" cy="0"/>
+          <a:chOff x="0" y="0"/>
+          <a:chExt cx="0" cy="0"/>
+        </a:xfrm>
+      </p:grpSpPr>
+      <p:sp>
+        <p:nvSpPr>
+          <p:cNvPr id="2" name="Θέση εικόνας διαφάνειας 1"/>
+          <p:cNvSpPr>
+            <a:spLocks noGrp="1" noRot="1" noChangeAspect="1"/>
+          </p:cNvSpPr>
+          <p:nvPr>
+            <p:ph type="sldImg"/>
+          </p:nvPr>
+        </p:nvSpPr>
+        <p:spPr/>
+      </p:sp>
+      <p:sp>
+        <p:nvSpPr>
+          <p:cNvPr id="3" name="Θέση σημειώσεων 2"/>
+          <p:cNvSpPr>
+            <a:spLocks noGrp="1"/>
+          </p:cNvSpPr>
+          <p:nvPr>
+            <p:ph type="body" idx="1"/>
+          </p:nvPr>
+        </p:nvSpPr>
+        <p:spPr/>
+        <p:txBody>
+          <a:bodyPr/>
+          <a:lstStyle/>
+          <a:p>
+            <a:endParaRPr lang="el-GR"/>
+          </a:p>
+        </p:txBody>
+      </p:sp>
+      <p:sp>
+        <p:nvSpPr>
+          <p:cNvPr id="4" name="Θέση αριθμού διαφάνειας 3"/>
+          <p:cNvSpPr>
+            <a:spLocks noGrp="1"/>
+          </p:cNvSpPr>
+          <p:nvPr>
+            <p:ph type="sldNum" sz="quarter" idx="5"/>
+          </p:nvPr>
+        </p:nvSpPr>
+        <p:spPr/>
+        <p:txBody>
+          <a:bodyPr/>
+          <a:lstStyle/>
+          <a:p>
+            <a:fld id="{4E7C0C66-D245-4CEA-9D61-391545B2C37C}" type="slidenum">
+              <a:rPr lang="el-GR" smtClean="0"/>
+              <a:t>15</a:t>
+            </a:fld>
+            <a:endParaRPr lang="el-GR"/>
+          </a:p>
+        </p:txBody>
+      </p:sp>
+    </p:spTree>
+    <p:extLst>
+      <p:ext uri="{BB962C8B-B14F-4D97-AF65-F5344CB8AC3E}">
+        <p14:creationId xmlns:p14="http://schemas.microsoft.com/office/powerpoint/2010/main" val="582181540"/>
+      </p:ext>
+    </p:extLst>
+  </p:cSld>
+  <p:clrMapOvr>
+    <a:masterClrMapping/>
+  </p:clrMapOvr>
+</p:notes>
+</file>
+
+<file path=ppt/notesSlides/notesSlide16.xml><?xml version="1.0" encoding="utf-8"?>
+<p:notes xmlns:a="http://schemas.openxmlformats.org/drawingml/2006/main" xmlns:r="http://schemas.openxmlformats.org/officeDocument/2006/relationships" xmlns:p="http://schemas.openxmlformats.org/presentationml/2006/main">
+  <p:cSld>
+    <p:spTree>
+      <p:nvGrpSpPr>
+        <p:cNvPr id="1" name=""/>
+        <p:cNvGrpSpPr/>
+        <p:nvPr/>
+      </p:nvGrpSpPr>
+      <p:grpSpPr>
+        <a:xfrm>
+          <a:off x="0" y="0"/>
+          <a:ext cx="0" cy="0"/>
+          <a:chOff x="0" y="0"/>
+          <a:chExt cx="0" cy="0"/>
+        </a:xfrm>
+      </p:grpSpPr>
+      <p:sp>
+        <p:nvSpPr>
+          <p:cNvPr id="2" name="Θέση εικόνας διαφάνειας 1"/>
+          <p:cNvSpPr>
+            <a:spLocks noGrp="1" noRot="1" noChangeAspect="1"/>
+          </p:cNvSpPr>
+          <p:nvPr>
+            <p:ph type="sldImg"/>
+          </p:nvPr>
+        </p:nvSpPr>
+        <p:spPr/>
+      </p:sp>
+      <p:sp>
+        <p:nvSpPr>
+          <p:cNvPr id="3" name="Θέση σημειώσεων 2"/>
+          <p:cNvSpPr>
+            <a:spLocks noGrp="1"/>
+          </p:cNvSpPr>
+          <p:nvPr>
+            <p:ph type="body" idx="1"/>
+          </p:nvPr>
+        </p:nvSpPr>
+        <p:spPr/>
+        <p:txBody>
+          <a:bodyPr/>
+          <a:lstStyle/>
+          <a:p>
+            <a:endParaRPr lang="el-GR"/>
+          </a:p>
+        </p:txBody>
+      </p:sp>
+      <p:sp>
+        <p:nvSpPr>
+          <p:cNvPr id="4" name="Θέση αριθμού διαφάνειας 3"/>
+          <p:cNvSpPr>
+            <a:spLocks noGrp="1"/>
+          </p:cNvSpPr>
+          <p:nvPr>
+            <p:ph type="sldNum" sz="quarter" idx="5"/>
+          </p:nvPr>
+        </p:nvSpPr>
+        <p:spPr/>
+        <p:txBody>
+          <a:bodyPr/>
+          <a:lstStyle/>
+          <a:p>
+            <a:fld id="{4E7C0C66-D245-4CEA-9D61-391545B2C37C}" type="slidenum">
+              <a:rPr lang="el-GR" smtClean="0"/>
+              <a:t>16</a:t>
+            </a:fld>
+            <a:endParaRPr lang="el-GR"/>
+          </a:p>
+        </p:txBody>
+      </p:sp>
+    </p:spTree>
+    <p:extLst>
+      <p:ext uri="{BB962C8B-B14F-4D97-AF65-F5344CB8AC3E}">
+        <p14:creationId xmlns:p14="http://schemas.microsoft.com/office/powerpoint/2010/main" val="2858649037"/>
+      </p:ext>
+    </p:extLst>
+  </p:cSld>
+  <p:clrMapOvr>
+    <a:masterClrMapping/>
+  </p:clrMapOvr>
+</p:notes>
+</file>
+
+<file path=ppt/notesSlides/notesSlide17.xml><?xml version="1.0" encoding="utf-8"?>
+<p:notes xmlns:a="http://schemas.openxmlformats.org/drawingml/2006/main" xmlns:r="http://schemas.openxmlformats.org/officeDocument/2006/relationships" xmlns:p="http://schemas.openxmlformats.org/presentationml/2006/main">
+  <p:cSld>
+    <p:spTree>
+      <p:nvGrpSpPr>
+        <p:cNvPr id="1" name=""/>
+        <p:cNvGrpSpPr/>
+        <p:nvPr/>
+      </p:nvGrpSpPr>
+      <p:grpSpPr>
+        <a:xfrm>
+          <a:off x="0" y="0"/>
+          <a:ext cx="0" cy="0"/>
+          <a:chOff x="0" y="0"/>
+          <a:chExt cx="0" cy="0"/>
+        </a:xfrm>
+      </p:grpSpPr>
+      <p:sp>
+        <p:nvSpPr>
+          <p:cNvPr id="2" name="Θέση εικόνας διαφάνειας 1"/>
+          <p:cNvSpPr>
+            <a:spLocks noGrp="1" noRot="1" noChangeAspect="1"/>
+          </p:cNvSpPr>
+          <p:nvPr>
+            <p:ph type="sldImg"/>
+          </p:nvPr>
+        </p:nvSpPr>
+        <p:spPr/>
+      </p:sp>
+      <p:sp>
+        <p:nvSpPr>
+          <p:cNvPr id="3" name="Θέση σημειώσεων 2"/>
+          <p:cNvSpPr>
+            <a:spLocks noGrp="1"/>
+          </p:cNvSpPr>
+          <p:nvPr>
+            <p:ph type="body" idx="1"/>
+          </p:nvPr>
+        </p:nvSpPr>
+        <p:spPr/>
+        <p:txBody>
+          <a:bodyPr/>
+          <a:lstStyle/>
+          <a:p>
+            <a:endParaRPr lang="el-GR"/>
+          </a:p>
+        </p:txBody>
+      </p:sp>
+      <p:sp>
+        <p:nvSpPr>
+          <p:cNvPr id="4" name="Θέση αριθμού διαφάνειας 3"/>
+          <p:cNvSpPr>
+            <a:spLocks noGrp="1"/>
+          </p:cNvSpPr>
+          <p:nvPr>
+            <p:ph type="sldNum" sz="quarter" idx="5"/>
+          </p:nvPr>
+        </p:nvSpPr>
+        <p:spPr/>
+        <p:txBody>
+          <a:bodyPr/>
+          <a:lstStyle/>
+          <a:p>
+            <a:fld id="{4E7C0C66-D245-4CEA-9D61-391545B2C37C}" type="slidenum">
+              <a:rPr lang="el-GR" smtClean="0"/>
+              <a:t>17</a:t>
+            </a:fld>
+            <a:endParaRPr lang="el-GR"/>
+          </a:p>
+        </p:txBody>
+      </p:sp>
+    </p:spTree>
+    <p:extLst>
+      <p:ext uri="{BB962C8B-B14F-4D97-AF65-F5344CB8AC3E}">
+        <p14:creationId xmlns:p14="http://schemas.microsoft.com/office/powerpoint/2010/main" val="4026610132"/>
+      </p:ext>
+    </p:extLst>
+  </p:cSld>
+  <p:clrMapOvr>
+    <a:masterClrMapping/>
+  </p:clrMapOvr>
+</p:notes>
+</file>
+
+<file path=ppt/notesSlides/notesSlide18.xml><?xml version="1.0" encoding="utf-8"?>
+<p:notes xmlns:a="http://schemas.openxmlformats.org/drawingml/2006/main" xmlns:r="http://schemas.openxmlformats.org/officeDocument/2006/relationships" xmlns:p="http://schemas.openxmlformats.org/presentationml/2006/main">
+  <p:cSld>
+    <p:spTree>
+      <p:nvGrpSpPr>
+        <p:cNvPr id="1" name=""/>
+        <p:cNvGrpSpPr/>
+        <p:nvPr/>
+      </p:nvGrpSpPr>
+      <p:grpSpPr>
+        <a:xfrm>
+          <a:off x="0" y="0"/>
+          <a:ext cx="0" cy="0"/>
+          <a:chOff x="0" y="0"/>
+          <a:chExt cx="0" cy="0"/>
+        </a:xfrm>
+      </p:grpSpPr>
+      <p:sp>
+        <p:nvSpPr>
+          <p:cNvPr id="2" name="Θέση εικόνας διαφάνειας 1"/>
+          <p:cNvSpPr>
+            <a:spLocks noGrp="1" noRot="1" noChangeAspect="1"/>
+          </p:cNvSpPr>
+          <p:nvPr>
+            <p:ph type="sldImg"/>
+          </p:nvPr>
+        </p:nvSpPr>
+        <p:spPr/>
+      </p:sp>
+      <p:sp>
+        <p:nvSpPr>
+          <p:cNvPr id="3" name="Θέση σημειώσεων 2"/>
+          <p:cNvSpPr>
+            <a:spLocks noGrp="1"/>
+          </p:cNvSpPr>
+          <p:nvPr>
+            <p:ph type="body" idx="1"/>
+          </p:nvPr>
+        </p:nvSpPr>
+        <p:spPr/>
+        <p:txBody>
+          <a:bodyPr/>
+          <a:lstStyle/>
+          <a:p>
+            <a:endParaRPr lang="el-GR"/>
+          </a:p>
+        </p:txBody>
+      </p:sp>
+      <p:sp>
+        <p:nvSpPr>
+          <p:cNvPr id="4" name="Θέση αριθμού διαφάνειας 3"/>
+          <p:cNvSpPr>
+            <a:spLocks noGrp="1"/>
+          </p:cNvSpPr>
+          <p:nvPr>
+            <p:ph type="sldNum" sz="quarter" idx="5"/>
+          </p:nvPr>
+        </p:nvSpPr>
+        <p:spPr/>
+        <p:txBody>
+          <a:bodyPr/>
+          <a:lstStyle/>
+          <a:p>
+            <a:fld id="{4E7C0C66-D245-4CEA-9D61-391545B2C37C}" type="slidenum">
+              <a:rPr lang="el-GR" smtClean="0"/>
+              <a:t>18</a:t>
+            </a:fld>
+            <a:endParaRPr lang="el-GR"/>
+          </a:p>
+        </p:txBody>
+      </p:sp>
+    </p:spTree>
+    <p:extLst>
+      <p:ext uri="{BB962C8B-B14F-4D97-AF65-F5344CB8AC3E}">
+        <p14:creationId xmlns:p14="http://schemas.microsoft.com/office/powerpoint/2010/main" val="1013642200"/>
       </p:ext>
     </p:extLst>
   </p:cSld>
@@ -818,31 +1639,154 @@
           <a:bodyPr/>
           <a:lstStyle/>
           <a:p>
-            <a:pPr defTabSz="966338">
+            <a:pPr marL="0" marR="0" lvl="0" indent="0" algn="l" defTabSz="914400" rtl="0" eaLnBrk="1" fontAlgn="auto" latinLnBrk="0" hangingPunct="1">
+              <a:lnSpc>
+                <a:spcPct val="100000"/>
+              </a:lnSpc>
+              <a:spcBef>
+                <a:spcPts val="0"/>
+              </a:spcBef>
+              <a:spcAft>
+                <a:spcPts val="0"/>
+              </a:spcAft>
+              <a:buClrTx/>
+              <a:buSzTx/>
+              <a:buFontTx/>
+              <a:buNone/>
+              <a:tabLst/>
               <a:defRPr/>
             </a:pPr>
             <a:r>
-              <a:rPr lang="el-GR" sz="1300" dirty="0">
-                <a:solidFill>
-                  <a:prstClr val="black"/>
-                </a:solidFill>
-                <a:latin typeface="Calibri" panose="020F0502020204030204"/>
-              </a:rPr>
-              <a:t>Η θαλάσσια βιοποικιλότητα αποτελεί έναν εξαιρετικά κρίσιμο δείκτη για την υγεία του πλανήτη, ειδικά σε εποχές κλιματικής αλλαγής και περιβαλλοντικής επιβάρυνσης. Έτσι, η αυτοματοποιημένη αναγνώριση ειδών μπορεί να συμβάλει ουσιαστικά στην προστασία τους.</a:t>
-            </a:r>
-          </a:p>
-          <a:p>
-            <a:pPr defTabSz="966338">
-              <a:defRPr/>
-            </a:pPr>
-            <a:r>
-              <a:rPr lang="el-GR" sz="1300" dirty="0">
-                <a:solidFill>
-                  <a:prstClr val="black"/>
-                </a:solidFill>
-                <a:latin typeface="Calibri" panose="020F0502020204030204"/>
-              </a:rPr>
-              <a:t>Ο κύριος στόχος ήταν η ανάπτυξη και συγκριτική αξιολόγηση τριών διαφορετικών μοντέλων:</a:t>
+              <a:rPr lang="el-GR" sz="1200" kern="1200" dirty="0">
+                <a:solidFill>
+                  <a:schemeClr val="tx1"/>
+                </a:solidFill>
+                <a:effectLst/>
+                <a:latin typeface="+mn-lt"/>
+                <a:ea typeface="+mn-ea"/>
+                <a:cs typeface="+mn-cs"/>
+              </a:rPr>
+              <a:t>«Η θαλάσσια βιοποικιλότητα, με πάνω από 240.000 είδη, είναι κρίσιμος δείκτης για την υγεία του πλανήτη. Με την κλιματική αλλαγή και τη ρύπανση, η παρακολούθηση των ειδών είναι πιο σημαντική από ποτέ. Στόχος μας ήταν να αναπτύξουμε και να συγκρίνουμε τρία μοντέλα ταξινόμησης εικόνων: δύο </a:t>
+            </a:r>
+            <a:r>
+              <a:rPr lang="el-GR" sz="1200" kern="1200" dirty="0" err="1">
+                <a:solidFill>
+                  <a:schemeClr val="tx1"/>
+                </a:solidFill>
+                <a:effectLst/>
+                <a:latin typeface="+mn-lt"/>
+                <a:ea typeface="+mn-ea"/>
+                <a:cs typeface="+mn-cs"/>
+              </a:rPr>
+              <a:t>custom</a:t>
+            </a:r>
+            <a:r>
+              <a:rPr lang="el-GR" sz="1200" kern="1200" dirty="0">
+                <a:solidFill>
+                  <a:schemeClr val="tx1"/>
+                </a:solidFill>
+                <a:effectLst/>
+                <a:latin typeface="+mn-lt"/>
+                <a:ea typeface="+mn-ea"/>
+                <a:cs typeface="+mn-cs"/>
+              </a:rPr>
+              <a:t> </a:t>
+            </a:r>
+            <a:r>
+              <a:rPr lang="el-GR" sz="1200" kern="1200" dirty="0" err="1">
+                <a:solidFill>
+                  <a:schemeClr val="tx1"/>
+                </a:solidFill>
+                <a:effectLst/>
+                <a:latin typeface="+mn-lt"/>
+                <a:ea typeface="+mn-ea"/>
+                <a:cs typeface="+mn-cs"/>
+              </a:rPr>
+              <a:t>CNNs</a:t>
+            </a:r>
+            <a:r>
+              <a:rPr lang="el-GR" sz="1200" kern="1200" dirty="0">
+                <a:solidFill>
+                  <a:schemeClr val="tx1"/>
+                </a:solidFill>
+                <a:effectLst/>
+                <a:latin typeface="+mn-lt"/>
+                <a:ea typeface="+mn-ea"/>
+                <a:cs typeface="+mn-cs"/>
+              </a:rPr>
+              <a:t> και ένα </a:t>
+            </a:r>
+            <a:r>
+              <a:rPr lang="el-GR" sz="1200" kern="1200" dirty="0" err="1">
+                <a:solidFill>
+                  <a:schemeClr val="tx1"/>
+                </a:solidFill>
+                <a:effectLst/>
+                <a:latin typeface="+mn-lt"/>
+                <a:ea typeface="+mn-ea"/>
+                <a:cs typeface="+mn-cs"/>
+              </a:rPr>
+              <a:t>προεκπαιδευμένο</a:t>
+            </a:r>
+            <a:r>
+              <a:rPr lang="el-GR" sz="1200" kern="1200" dirty="0">
+                <a:solidFill>
+                  <a:schemeClr val="tx1"/>
+                </a:solidFill>
+                <a:effectLst/>
+                <a:latin typeface="+mn-lt"/>
+                <a:ea typeface="+mn-ea"/>
+                <a:cs typeface="+mn-cs"/>
+              </a:rPr>
+              <a:t> ResNet18 με </a:t>
+            </a:r>
+            <a:r>
+              <a:rPr lang="el-GR" sz="1200" kern="1200" dirty="0" err="1">
+                <a:solidFill>
+                  <a:schemeClr val="tx1"/>
+                </a:solidFill>
+                <a:effectLst/>
+                <a:latin typeface="+mn-lt"/>
+                <a:ea typeface="+mn-ea"/>
+                <a:cs typeface="+mn-cs"/>
+              </a:rPr>
+              <a:t>Transfer</a:t>
+            </a:r>
+            <a:r>
+              <a:rPr lang="el-GR" sz="1200" kern="1200" dirty="0">
+                <a:solidFill>
+                  <a:schemeClr val="tx1"/>
+                </a:solidFill>
+                <a:effectLst/>
+                <a:latin typeface="+mn-lt"/>
+                <a:ea typeface="+mn-ea"/>
+                <a:cs typeface="+mn-cs"/>
+              </a:rPr>
+              <a:t> </a:t>
+            </a:r>
+            <a:r>
+              <a:rPr lang="el-GR" sz="1200" kern="1200" dirty="0" err="1">
+                <a:solidFill>
+                  <a:schemeClr val="tx1"/>
+                </a:solidFill>
+                <a:effectLst/>
+                <a:latin typeface="+mn-lt"/>
+                <a:ea typeface="+mn-ea"/>
+                <a:cs typeface="+mn-cs"/>
+              </a:rPr>
+              <a:t>Learning</a:t>
+            </a:r>
+            <a:r>
+              <a:rPr lang="el-GR" sz="1200" kern="1200" dirty="0">
+                <a:solidFill>
+                  <a:schemeClr val="tx1"/>
+                </a:solidFill>
+                <a:effectLst/>
+                <a:latin typeface="+mn-lt"/>
+                <a:ea typeface="+mn-ea"/>
+                <a:cs typeface="+mn-cs"/>
+              </a:rPr>
+              <a:t>.»</a:t>
             </a:r>
           </a:p>
           <a:p>
@@ -930,232 +1874,407 @@
           <a:bodyPr/>
           <a:lstStyle/>
           <a:p>
+            <a:pPr marL="0" marR="0" lvl="0" indent="0" algn="l" defTabSz="914400" rtl="0" eaLnBrk="1" fontAlgn="auto" latinLnBrk="0" hangingPunct="1">
+              <a:lnSpc>
+                <a:spcPct val="100000"/>
+              </a:lnSpc>
+              <a:spcBef>
+                <a:spcPts val="0"/>
+              </a:spcBef>
+              <a:spcAft>
+                <a:spcPts val="0"/>
+              </a:spcAft>
+              <a:buClrTx/>
+              <a:buSzTx/>
+              <a:buFontTx/>
+              <a:buNone/>
+              <a:tabLst/>
+              <a:defRPr/>
+            </a:pPr>
+            <a:r>
+              <a:rPr lang="el-GR" sz="1200" kern="1200" dirty="0">
+                <a:solidFill>
+                  <a:schemeClr val="tx1"/>
+                </a:solidFill>
+                <a:effectLst/>
+                <a:latin typeface="+mn-lt"/>
+                <a:ea typeface="+mn-ea"/>
+                <a:cs typeface="+mn-cs"/>
+              </a:rPr>
+              <a:t>«Το αρχικό </a:t>
+            </a:r>
+            <a:r>
+              <a:rPr lang="el-GR" sz="1200" kern="1200" dirty="0" err="1">
+                <a:solidFill>
+                  <a:schemeClr val="tx1"/>
+                </a:solidFill>
+                <a:effectLst/>
+                <a:latin typeface="+mn-lt"/>
+                <a:ea typeface="+mn-ea"/>
+                <a:cs typeface="+mn-cs"/>
+              </a:rPr>
+              <a:t>dataset</a:t>
+            </a:r>
+            <a:r>
+              <a:rPr lang="el-GR" sz="1200" kern="1200" dirty="0">
+                <a:solidFill>
+                  <a:schemeClr val="tx1"/>
+                </a:solidFill>
+                <a:effectLst/>
+                <a:latin typeface="+mn-lt"/>
+                <a:ea typeface="+mn-ea"/>
+                <a:cs typeface="+mn-cs"/>
+              </a:rPr>
+              <a:t> περιλάμβανε 13.666 εικόνες από 23 κατηγορίες. Επιλέξαμε 5: </a:t>
+            </a:r>
+            <a:r>
+              <a:rPr lang="el-GR" sz="1200" kern="1200" dirty="0" err="1">
+                <a:solidFill>
+                  <a:schemeClr val="tx1"/>
+                </a:solidFill>
+                <a:effectLst/>
+                <a:latin typeface="+mn-lt"/>
+                <a:ea typeface="+mn-ea"/>
+                <a:cs typeface="+mn-cs"/>
+              </a:rPr>
+              <a:t>Jellyfish</a:t>
+            </a:r>
+            <a:r>
+              <a:rPr lang="el-GR" sz="1200" kern="1200" dirty="0">
+                <a:solidFill>
+                  <a:schemeClr val="tx1"/>
+                </a:solidFill>
+                <a:effectLst/>
+                <a:latin typeface="+mn-lt"/>
+                <a:ea typeface="+mn-ea"/>
+                <a:cs typeface="+mn-cs"/>
+              </a:rPr>
+              <a:t>, Sea </a:t>
+            </a:r>
+            <a:r>
+              <a:rPr lang="el-GR" sz="1200" kern="1200" dirty="0" err="1">
+                <a:solidFill>
+                  <a:schemeClr val="tx1"/>
+                </a:solidFill>
+                <a:effectLst/>
+                <a:latin typeface="+mn-lt"/>
+                <a:ea typeface="+mn-ea"/>
+                <a:cs typeface="+mn-cs"/>
+              </a:rPr>
+              <a:t>Urchins</a:t>
+            </a:r>
+            <a:r>
+              <a:rPr lang="el-GR" sz="1200" kern="1200" dirty="0">
+                <a:solidFill>
+                  <a:schemeClr val="tx1"/>
+                </a:solidFill>
+                <a:effectLst/>
+                <a:latin typeface="+mn-lt"/>
+                <a:ea typeface="+mn-ea"/>
+                <a:cs typeface="+mn-cs"/>
+              </a:rPr>
+              <a:t>, </a:t>
+            </a:r>
+            <a:r>
+              <a:rPr lang="el-GR" sz="1200" kern="1200" dirty="0" err="1">
+                <a:solidFill>
+                  <a:schemeClr val="tx1"/>
+                </a:solidFill>
+                <a:effectLst/>
+                <a:latin typeface="+mn-lt"/>
+                <a:ea typeface="+mn-ea"/>
+                <a:cs typeface="+mn-cs"/>
+              </a:rPr>
+              <a:t>Sharks</a:t>
+            </a:r>
+            <a:r>
+              <a:rPr lang="el-GR" sz="1200" kern="1200" dirty="0">
+                <a:solidFill>
+                  <a:schemeClr val="tx1"/>
+                </a:solidFill>
+                <a:effectLst/>
+                <a:latin typeface="+mn-lt"/>
+                <a:ea typeface="+mn-ea"/>
+                <a:cs typeface="+mn-cs"/>
+              </a:rPr>
+              <a:t>, </a:t>
+            </a:r>
+            <a:r>
+              <a:rPr lang="el-GR" sz="1200" kern="1200" dirty="0" err="1">
+                <a:solidFill>
+                  <a:schemeClr val="tx1"/>
+                </a:solidFill>
+                <a:effectLst/>
+                <a:latin typeface="+mn-lt"/>
+                <a:ea typeface="+mn-ea"/>
+                <a:cs typeface="+mn-cs"/>
+              </a:rPr>
+              <a:t>Starfish</a:t>
+            </a:r>
+            <a:r>
+              <a:rPr lang="el-GR" sz="1200" kern="1200" dirty="0">
+                <a:solidFill>
+                  <a:schemeClr val="tx1"/>
+                </a:solidFill>
+                <a:effectLst/>
+                <a:latin typeface="+mn-lt"/>
+                <a:ea typeface="+mn-ea"/>
+                <a:cs typeface="+mn-cs"/>
+              </a:rPr>
+              <a:t> και </a:t>
+            </a:r>
+            <a:r>
+              <a:rPr lang="el-GR" sz="1200" kern="1200" dirty="0" err="1">
+                <a:solidFill>
+                  <a:schemeClr val="tx1"/>
+                </a:solidFill>
+                <a:effectLst/>
+                <a:latin typeface="+mn-lt"/>
+                <a:ea typeface="+mn-ea"/>
+                <a:cs typeface="+mn-cs"/>
+              </a:rPr>
+              <a:t>Turtles</a:t>
+            </a:r>
+            <a:r>
+              <a:rPr lang="el-GR" sz="1200" kern="1200" dirty="0">
+                <a:solidFill>
+                  <a:schemeClr val="tx1"/>
+                </a:solidFill>
+                <a:effectLst/>
+                <a:latin typeface="+mn-lt"/>
+                <a:ea typeface="+mn-ea"/>
+                <a:cs typeface="+mn-cs"/>
+              </a:rPr>
+              <a:t> — σύνολο 2.693 εικόνες. Οι εικόνες διαχωρίστηκαν σε </a:t>
+            </a:r>
+            <a:r>
+              <a:rPr lang="el-GR" sz="1200" kern="1200" dirty="0" err="1">
+                <a:solidFill>
+                  <a:schemeClr val="tx1"/>
+                </a:solidFill>
+                <a:effectLst/>
+                <a:latin typeface="+mn-lt"/>
+                <a:ea typeface="+mn-ea"/>
+                <a:cs typeface="+mn-cs"/>
+              </a:rPr>
+              <a:t>train</a:t>
+            </a:r>
+            <a:r>
+              <a:rPr lang="el-GR" sz="1200" kern="1200" dirty="0">
+                <a:solidFill>
+                  <a:schemeClr val="tx1"/>
+                </a:solidFill>
+                <a:effectLst/>
+                <a:latin typeface="+mn-lt"/>
+                <a:ea typeface="+mn-ea"/>
+                <a:cs typeface="+mn-cs"/>
+              </a:rPr>
+              <a:t>, </a:t>
+            </a:r>
+            <a:r>
+              <a:rPr lang="el-GR" sz="1200" kern="1200" dirty="0" err="1">
+                <a:solidFill>
+                  <a:schemeClr val="tx1"/>
+                </a:solidFill>
+                <a:effectLst/>
+                <a:latin typeface="+mn-lt"/>
+                <a:ea typeface="+mn-ea"/>
+                <a:cs typeface="+mn-cs"/>
+              </a:rPr>
+              <a:t>validation</a:t>
+            </a:r>
+            <a:r>
+              <a:rPr lang="el-GR" sz="1200" kern="1200" dirty="0">
+                <a:solidFill>
+                  <a:schemeClr val="tx1"/>
+                </a:solidFill>
+                <a:effectLst/>
+                <a:latin typeface="+mn-lt"/>
+                <a:ea typeface="+mn-ea"/>
+                <a:cs typeface="+mn-cs"/>
+              </a:rPr>
+              <a:t> και </a:t>
+            </a:r>
+            <a:r>
+              <a:rPr lang="el-GR" sz="1200" kern="1200" dirty="0" err="1">
+                <a:solidFill>
+                  <a:schemeClr val="tx1"/>
+                </a:solidFill>
+                <a:effectLst/>
+                <a:latin typeface="+mn-lt"/>
+                <a:ea typeface="+mn-ea"/>
+                <a:cs typeface="+mn-cs"/>
+              </a:rPr>
+              <a:t>test</a:t>
+            </a:r>
+            <a:r>
+              <a:rPr lang="el-GR" sz="1200" kern="1200" dirty="0">
+                <a:solidFill>
+                  <a:schemeClr val="tx1"/>
+                </a:solidFill>
+                <a:effectLst/>
+                <a:latin typeface="+mn-lt"/>
+                <a:ea typeface="+mn-ea"/>
+                <a:cs typeface="+mn-cs"/>
+              </a:rPr>
+              <a:t> σε ποσοστά 70/20/10. Επιπλέον, απομακρύναμε εσφαλμένες ετικέτες (</a:t>
+            </a:r>
+            <a:r>
+              <a:rPr lang="el-GR" sz="1200" kern="1200" dirty="0" err="1">
+                <a:solidFill>
+                  <a:schemeClr val="tx1"/>
+                </a:solidFill>
+                <a:effectLst/>
+                <a:latin typeface="+mn-lt"/>
+                <a:ea typeface="+mn-ea"/>
+                <a:cs typeface="+mn-cs"/>
+              </a:rPr>
+              <a:t>mislabeling</a:t>
+            </a:r>
+            <a:r>
+              <a:rPr lang="el-GR" sz="1200" kern="1200" dirty="0">
+                <a:solidFill>
+                  <a:schemeClr val="tx1"/>
+                </a:solidFill>
+                <a:effectLst/>
+                <a:latin typeface="+mn-lt"/>
+                <a:ea typeface="+mn-ea"/>
+                <a:cs typeface="+mn-cs"/>
+              </a:rPr>
+              <a:t>).»</a:t>
+            </a:r>
+          </a:p>
+          <a:p>
+            <a:pPr marL="0" marR="0" lvl="0" indent="0" algn="l" defTabSz="914400" rtl="0" eaLnBrk="1" fontAlgn="auto" latinLnBrk="0" hangingPunct="1">
+              <a:lnSpc>
+                <a:spcPct val="100000"/>
+              </a:lnSpc>
+              <a:spcBef>
+                <a:spcPts val="0"/>
+              </a:spcBef>
+              <a:spcAft>
+                <a:spcPts val="0"/>
+              </a:spcAft>
+              <a:buClrTx/>
+              <a:buSzTx/>
+              <a:buFontTx/>
+              <a:buNone/>
+              <a:tabLst/>
+              <a:defRPr/>
+            </a:pPr>
+            <a:r>
+              <a:rPr lang="el-GR" sz="1200" kern="1200" dirty="0">
+                <a:solidFill>
+                  <a:schemeClr val="tx1"/>
+                </a:solidFill>
+                <a:effectLst/>
+                <a:latin typeface="+mn-lt"/>
+                <a:ea typeface="+mn-ea"/>
+                <a:cs typeface="+mn-cs"/>
+              </a:rPr>
+              <a:t>«Όλες οι εικόνες έγιναν </a:t>
+            </a:r>
+            <a:r>
+              <a:rPr lang="el-GR" sz="1200" kern="1200" dirty="0" err="1">
+                <a:solidFill>
+                  <a:schemeClr val="tx1"/>
+                </a:solidFill>
+                <a:effectLst/>
+                <a:latin typeface="+mn-lt"/>
+                <a:ea typeface="+mn-ea"/>
+                <a:cs typeface="+mn-cs"/>
+              </a:rPr>
+              <a:t>resize</a:t>
+            </a:r>
+            <a:r>
+              <a:rPr lang="el-GR" sz="1200" kern="1200" dirty="0">
+                <a:solidFill>
+                  <a:schemeClr val="tx1"/>
+                </a:solidFill>
+                <a:effectLst/>
+                <a:latin typeface="+mn-lt"/>
+                <a:ea typeface="+mn-ea"/>
+                <a:cs typeface="+mn-cs"/>
+              </a:rPr>
+              <a:t> σε τετράγωνο σχήμα: 128×128 για CNN01/CNN02 και 224×224 για το ResNet18. Έπειτα μετατράπηκαν σε </a:t>
+            </a:r>
+            <a:r>
+              <a:rPr lang="el-GR" sz="1200" kern="1200" dirty="0" err="1">
+                <a:solidFill>
+                  <a:schemeClr val="tx1"/>
+                </a:solidFill>
+                <a:effectLst/>
+                <a:latin typeface="+mn-lt"/>
+                <a:ea typeface="+mn-ea"/>
+                <a:cs typeface="+mn-cs"/>
+              </a:rPr>
+              <a:t>PyTorch</a:t>
+            </a:r>
+            <a:r>
+              <a:rPr lang="el-GR" sz="1200" kern="1200" dirty="0">
+                <a:solidFill>
+                  <a:schemeClr val="tx1"/>
+                </a:solidFill>
+                <a:effectLst/>
+                <a:latin typeface="+mn-lt"/>
+                <a:ea typeface="+mn-ea"/>
+                <a:cs typeface="+mn-cs"/>
+              </a:rPr>
+              <a:t> </a:t>
+            </a:r>
+            <a:r>
+              <a:rPr lang="el-GR" sz="1200" kern="1200" dirty="0" err="1">
+                <a:solidFill>
+                  <a:schemeClr val="tx1"/>
+                </a:solidFill>
+                <a:effectLst/>
+                <a:latin typeface="+mn-lt"/>
+                <a:ea typeface="+mn-ea"/>
+                <a:cs typeface="+mn-cs"/>
+              </a:rPr>
+              <a:t>tensors</a:t>
+            </a:r>
+            <a:r>
+              <a:rPr lang="el-GR" sz="1200" kern="1200" dirty="0">
+                <a:solidFill>
+                  <a:schemeClr val="tx1"/>
+                </a:solidFill>
+                <a:effectLst/>
+                <a:latin typeface="+mn-lt"/>
+                <a:ea typeface="+mn-ea"/>
+                <a:cs typeface="+mn-cs"/>
+              </a:rPr>
+              <a:t> μέσω </a:t>
+            </a:r>
+            <a:r>
+              <a:rPr lang="el-GR" sz="1200" kern="1200" dirty="0" err="1">
+                <a:solidFill>
+                  <a:schemeClr val="tx1"/>
+                </a:solidFill>
+                <a:effectLst/>
+                <a:latin typeface="+mn-lt"/>
+                <a:ea typeface="+mn-ea"/>
+                <a:cs typeface="+mn-cs"/>
+              </a:rPr>
+              <a:t>ToTensor</a:t>
+            </a:r>
+            <a:r>
+              <a:rPr lang="el-GR" sz="1200" kern="1200" dirty="0">
+                <a:solidFill>
+                  <a:schemeClr val="tx1"/>
+                </a:solidFill>
+                <a:effectLst/>
+                <a:latin typeface="+mn-lt"/>
+                <a:ea typeface="+mn-ea"/>
+                <a:cs typeface="+mn-cs"/>
+              </a:rPr>
+              <a:t>(). </a:t>
+            </a:r>
+          </a:p>
+          <a:p>
             <a:pPr>
               <a:buNone/>
             </a:pPr>
-            <a:r>
-              <a:rPr lang="el-GR" b="1" dirty="0" err="1"/>
-              <a:t>Προεπεξεργασία</a:t>
-            </a:r>
-            <a:r>
-              <a:rPr lang="el-GR" b="1" dirty="0"/>
-              <a:t> Δεδομένων</a:t>
-            </a:r>
-          </a:p>
-          <a:p>
-            <a:pPr>
-              <a:buNone/>
-            </a:pPr>
-            <a:r>
-              <a:rPr lang="el-GR" dirty="0"/>
-              <a:t>Αρχικά είχαμε 13.666 εικόνες από 23 κατηγορίες θαλάσσιων οργανισμών. </a:t>
-            </a:r>
-            <a:endParaRPr lang="en-US" dirty="0"/>
-          </a:p>
-          <a:p>
-            <a:pPr>
-              <a:buNone/>
-            </a:pPr>
-            <a:r>
-              <a:rPr lang="el-GR" dirty="0"/>
-              <a:t>Επιλέξαμε 5 από αυτές (</a:t>
-            </a:r>
-            <a:r>
-              <a:rPr lang="el-GR" dirty="0" err="1"/>
-              <a:t>Jellyfish</a:t>
-            </a:r>
-            <a:r>
-              <a:rPr lang="el-GR" dirty="0"/>
-              <a:t>, Sea </a:t>
-            </a:r>
-            <a:r>
-              <a:rPr lang="el-GR" dirty="0" err="1"/>
-              <a:t>Urchins</a:t>
-            </a:r>
-            <a:r>
-              <a:rPr lang="el-GR" dirty="0"/>
-              <a:t>, </a:t>
-            </a:r>
-            <a:r>
-              <a:rPr lang="el-GR" dirty="0" err="1"/>
-              <a:t>Sharks</a:t>
-            </a:r>
-            <a:r>
-              <a:rPr lang="el-GR" dirty="0"/>
-              <a:t>, </a:t>
-            </a:r>
-            <a:r>
-              <a:rPr lang="el-GR" dirty="0" err="1"/>
-              <a:t>Starfish</a:t>
-            </a:r>
-            <a:r>
-              <a:rPr lang="el-GR" dirty="0"/>
-              <a:t>, </a:t>
-            </a:r>
-            <a:r>
-              <a:rPr lang="el-GR" dirty="0" err="1"/>
-              <a:t>Turtles</a:t>
-            </a:r>
-            <a:r>
-              <a:rPr lang="el-GR" dirty="0"/>
-              <a:t>), δημιουργώντας ένα σύνολο 2.693 εικόνων. </a:t>
-            </a:r>
-            <a:endParaRPr lang="en-US" dirty="0"/>
-          </a:p>
-          <a:p>
-            <a:pPr>
-              <a:buNone/>
-            </a:pPr>
-            <a:r>
-              <a:rPr lang="el-GR" dirty="0"/>
-              <a:t>Το </a:t>
-            </a:r>
-            <a:r>
-              <a:rPr lang="el-GR" dirty="0" err="1"/>
-              <a:t>dataset</a:t>
-            </a:r>
-            <a:r>
-              <a:rPr lang="el-GR" dirty="0"/>
-              <a:t> χωρίστηκε σε:</a:t>
-            </a:r>
-          </a:p>
-          <a:p>
-            <a:pPr>
-              <a:buFont typeface="Arial" panose="020B0604020202020204" pitchFamily="34" charset="0"/>
-              <a:buChar char="•"/>
-            </a:pPr>
-            <a:r>
-              <a:rPr lang="el-GR" dirty="0"/>
-              <a:t>70% για εκπαίδευση,</a:t>
-            </a:r>
-          </a:p>
-          <a:p>
-            <a:pPr>
-              <a:buFont typeface="Arial" panose="020B0604020202020204" pitchFamily="34" charset="0"/>
-              <a:buChar char="•"/>
-            </a:pPr>
-            <a:r>
-              <a:rPr lang="el-GR" dirty="0"/>
-              <a:t>20% για επικύρωση,</a:t>
-            </a:r>
-          </a:p>
-          <a:p>
-            <a:pPr>
-              <a:buFont typeface="Arial" panose="020B0604020202020204" pitchFamily="34" charset="0"/>
-              <a:buChar char="•"/>
-            </a:pPr>
-            <a:r>
-              <a:rPr lang="el-GR" dirty="0"/>
-              <a:t>10% για τελικό έλεγχο (</a:t>
-            </a:r>
-            <a:r>
-              <a:rPr lang="el-GR" dirty="0" err="1"/>
-              <a:t>test</a:t>
-            </a:r>
-            <a:r>
-              <a:rPr lang="el-GR" dirty="0"/>
-              <a:t>).</a:t>
-            </a:r>
-          </a:p>
-          <a:p>
-            <a:r>
-              <a:rPr lang="el-GR" dirty="0"/>
-              <a:t>Κάναμε </a:t>
-            </a:r>
-            <a:r>
-              <a:rPr lang="el-GR" dirty="0" err="1"/>
-              <a:t>resizing</a:t>
-            </a:r>
-            <a:r>
-              <a:rPr lang="el-GR" dirty="0"/>
-              <a:t> των εικόνων αρχικά στα </a:t>
-            </a:r>
-            <a:r>
-              <a:rPr lang="el-GR" b="1" dirty="0"/>
-              <a:t>128x128</a:t>
-            </a:r>
-            <a:r>
-              <a:rPr lang="el-GR" dirty="0"/>
-              <a:t>, με </a:t>
-            </a:r>
-            <a:r>
-              <a:rPr lang="el-GR" dirty="0" err="1"/>
-              <a:t>κανονικοποίηση</a:t>
-            </a:r>
-            <a:r>
-              <a:rPr lang="el-GR" dirty="0"/>
-              <a:t> και χρήση βασικού </a:t>
-            </a:r>
-            <a:r>
-              <a:rPr lang="el-GR" dirty="0" err="1"/>
-              <a:t>augmentation</a:t>
-            </a:r>
-            <a:r>
-              <a:rPr lang="el-GR" dirty="0"/>
-              <a:t> (οριζόντια αναστροφή και περιστροφή), ώστε να μειωθεί το </a:t>
-            </a:r>
-            <a:r>
-              <a:rPr lang="el-GR" dirty="0" err="1"/>
-              <a:t>overfitting</a:t>
-            </a:r>
-            <a:r>
-              <a:rPr lang="el-GR" dirty="0"/>
-              <a:t> και να αυξηθεί η γενίκευση.</a:t>
-            </a:r>
-            <a:r>
-              <a:rPr lang="en-US" dirty="0"/>
-              <a:t> </a:t>
-            </a:r>
-            <a:r>
-              <a:rPr lang="el-GR" b="1" dirty="0"/>
-              <a:t>εφαρμόζοντας </a:t>
-            </a:r>
-            <a:r>
-              <a:rPr lang="el-GR" b="1" dirty="0" err="1"/>
-              <a:t>PyTorch</a:t>
-            </a:r>
-            <a:r>
-              <a:rPr lang="el-GR" b="1" dirty="0"/>
-              <a:t> </a:t>
-            </a:r>
-            <a:r>
-              <a:rPr lang="el-GR" b="1" dirty="0" err="1"/>
-              <a:t>transforms</a:t>
-            </a:r>
-            <a:r>
-              <a:rPr lang="el-GR" b="1" dirty="0"/>
-              <a:t> όπως </a:t>
-            </a:r>
-            <a:r>
-              <a:rPr lang="el-GR" b="1" dirty="0" err="1"/>
-              <a:t>κανονικοποίηση</a:t>
-            </a:r>
-            <a:r>
-              <a:rPr lang="el-GR" b="1" dirty="0"/>
-              <a:t>, τυχαία περιστροφή και οριζόντιο καθρέφτισμα, </a:t>
-            </a:r>
-            <a:r>
-              <a:rPr lang="el-GR" b="1" dirty="0" err="1"/>
-              <a:t>προσπαθησαμε</a:t>
-            </a:r>
-            <a:r>
-              <a:rPr lang="el-GR" b="1" dirty="0"/>
-              <a:t> να βελτιώσουμε τη γενίκευση του μοντέλου και να περιορίσουμε το </a:t>
-            </a:r>
-            <a:r>
-              <a:rPr lang="el-GR" b="1" dirty="0" err="1"/>
-              <a:t>overfitting</a:t>
-            </a:r>
-            <a:r>
-              <a:rPr lang="el-GR" b="1" dirty="0"/>
-              <a:t>.»</a:t>
-            </a:r>
-            <a:endParaRPr lang="el-GR" dirty="0"/>
-          </a:p>
-          <a:p>
-            <a:endParaRPr lang="el-GR" dirty="0"/>
-          </a:p>
-          <a:p>
             <a:endParaRPr lang="el-GR" dirty="0"/>
           </a:p>
         </p:txBody>
@@ -1240,185 +2359,301 @@
           <a:bodyPr/>
           <a:lstStyle/>
           <a:p>
-            <a:pPr>
-              <a:buNone/>
-            </a:pPr>
-            <a:r>
-              <a:rPr lang="el-GR" b="1" dirty="0"/>
-              <a:t>CNN01 – Αρχιτεκτονική &amp; Εκπαίδευση</a:t>
-            </a:r>
-          </a:p>
-          <a:p>
-            <a:r>
-              <a:rPr lang="el-GR" dirty="0"/>
-              <a:t>Το </a:t>
-            </a:r>
-            <a:r>
-              <a:rPr lang="el-GR" b="1" dirty="0"/>
-              <a:t>CNN01</a:t>
-            </a:r>
-            <a:r>
-              <a:rPr lang="el-GR" dirty="0"/>
-              <a:t> σχεδιάστηκε ως </a:t>
-            </a:r>
-            <a:r>
-              <a:rPr lang="el-GR" dirty="0" err="1"/>
-              <a:t>baseline</a:t>
-            </a:r>
-            <a:r>
-              <a:rPr lang="el-GR" dirty="0"/>
-              <a:t>. Περιλαμβάνει 3 </a:t>
-            </a:r>
-            <a:r>
-              <a:rPr lang="el-GR" dirty="0" err="1"/>
-              <a:t>συνελικτικά</a:t>
-            </a:r>
-            <a:r>
-              <a:rPr lang="el-GR" dirty="0"/>
+            <a:r>
+              <a:rPr lang="el-GR" sz="1200" kern="1200" dirty="0">
+                <a:solidFill>
+                  <a:schemeClr val="tx1"/>
+                </a:solidFill>
+                <a:effectLst/>
+                <a:latin typeface="+mn-lt"/>
+                <a:ea typeface="+mn-ea"/>
+                <a:cs typeface="+mn-cs"/>
+              </a:rPr>
+              <a:t>Το CNN01 είναι ένα απλό και ελαφρύ </a:t>
+            </a:r>
+            <a:r>
+              <a:rPr lang="el-GR" sz="1200" kern="1200" dirty="0" err="1">
+                <a:solidFill>
+                  <a:schemeClr val="tx1"/>
+                </a:solidFill>
+                <a:effectLst/>
+                <a:latin typeface="+mn-lt"/>
+                <a:ea typeface="+mn-ea"/>
+                <a:cs typeface="+mn-cs"/>
+              </a:rPr>
+              <a:t>νευρωνικό</a:t>
+            </a:r>
+            <a:r>
+              <a:rPr lang="el-GR" sz="1200" kern="1200" dirty="0">
+                <a:solidFill>
+                  <a:schemeClr val="tx1"/>
+                </a:solidFill>
+                <a:effectLst/>
+                <a:latin typeface="+mn-lt"/>
+                <a:ea typeface="+mn-ea"/>
+                <a:cs typeface="+mn-cs"/>
+              </a:rPr>
+              <a:t> δίκτυο, κατάλληλο για μικρότερες υπολογιστικές απαιτήσεις.</a:t>
+            </a:r>
+            <a:r>
+              <a:rPr lang="el-GR" sz="1200" kern="1200" dirty="0">
+                <a:solidFill>
+                  <a:schemeClr val="tx1"/>
+                </a:solidFill>
+                <a:effectLst>
+                  <a:outerShdw blurRad="50800" dist="38100" algn="tr" rotWithShape="0">
+                    <a:prstClr val="black">
+                      <a:alpha val="40000"/>
+                    </a:prstClr>
+                  </a:outerShdw>
+                </a:effectLst>
+                <a:latin typeface="+mn-lt"/>
+                <a:ea typeface="+mn-ea"/>
+                <a:cs typeface="+mn-cs"/>
+              </a:rPr>
               <a:t> </a:t>
             </a:r>
             <a:r>
-              <a:rPr lang="el-GR" dirty="0" err="1"/>
+              <a:rPr lang="el-GR" sz="1200" kern="1200" dirty="0">
+                <a:solidFill>
+                  <a:schemeClr val="tx1"/>
+                </a:solidFill>
+                <a:effectLst/>
+                <a:latin typeface="+mn-lt"/>
+                <a:ea typeface="+mn-ea"/>
+                <a:cs typeface="+mn-cs"/>
+              </a:rPr>
+              <a:t>Αποτελείται από 3 </a:t>
+            </a:r>
+            <a:r>
+              <a:rPr lang="en-US" sz="1200" kern="1200" dirty="0" err="1">
+                <a:solidFill>
+                  <a:schemeClr val="tx1"/>
+                </a:solidFill>
+                <a:effectLst/>
+                <a:latin typeface="+mn-lt"/>
+                <a:ea typeface="+mn-ea"/>
+                <a:cs typeface="+mn-cs"/>
+              </a:rPr>
+              <a:t>convonutional</a:t>
+            </a:r>
+            <a:r>
+              <a:rPr lang="en-US" sz="1200" kern="1200" dirty="0">
+                <a:solidFill>
+                  <a:schemeClr val="tx1"/>
+                </a:solidFill>
+                <a:effectLst/>
+                <a:latin typeface="+mn-lt"/>
+                <a:ea typeface="+mn-ea"/>
+                <a:cs typeface="+mn-cs"/>
+              </a:rPr>
+              <a:t> </a:t>
+            </a:r>
+            <a:r>
+              <a:rPr lang="el-GR" sz="1200" kern="1200" dirty="0" err="1">
+                <a:solidFill>
+                  <a:schemeClr val="tx1"/>
+                </a:solidFill>
+                <a:effectLst/>
+                <a:latin typeface="+mn-lt"/>
+                <a:ea typeface="+mn-ea"/>
+                <a:cs typeface="+mn-cs"/>
+              </a:rPr>
               <a:t>blocks</a:t>
             </a:r>
             <a:r>
-              <a:rPr lang="el-GR" dirty="0"/>
-              <a:t> με αυξανόμενο αριθμό φίλτρων (8 → 16 → 32), καθώς και πλήρως συνδεδεμένο </a:t>
-            </a:r>
-            <a:r>
-              <a:rPr lang="el-GR" dirty="0" err="1"/>
-              <a:t>ταξινομητή</a:t>
-            </a:r>
-            <a:r>
-              <a:rPr lang="el-GR" dirty="0"/>
-              <a:t> με </a:t>
-            </a:r>
-            <a:r>
-              <a:rPr lang="el-GR" dirty="0" err="1"/>
+              <a:rPr lang="el-GR" sz="1200" kern="1200" dirty="0">
+                <a:solidFill>
+                  <a:schemeClr val="tx1"/>
+                </a:solidFill>
+                <a:effectLst/>
+                <a:latin typeface="+mn-lt"/>
+                <a:ea typeface="+mn-ea"/>
+                <a:cs typeface="+mn-cs"/>
+              </a:rPr>
+              <a:t> με φίλτρα 8→16 και →32, και στο τέλος ακολουθεί ένας πλήρως συνδεδεμένος </a:t>
+            </a:r>
+            <a:r>
+              <a:rPr lang="el-GR" sz="1200" kern="1200" dirty="0" err="1">
+                <a:solidFill>
+                  <a:schemeClr val="tx1"/>
+                </a:solidFill>
+                <a:effectLst/>
+                <a:latin typeface="+mn-lt"/>
+                <a:ea typeface="+mn-ea"/>
+                <a:cs typeface="+mn-cs"/>
+              </a:rPr>
+              <a:t>ταξινομητής</a:t>
+            </a:r>
+            <a:r>
+              <a:rPr lang="el-GR" sz="1200" kern="1200" dirty="0">
+                <a:solidFill>
+                  <a:schemeClr val="tx1"/>
+                </a:solidFill>
+                <a:effectLst/>
+                <a:latin typeface="+mn-lt"/>
+                <a:ea typeface="+mn-ea"/>
+                <a:cs typeface="+mn-cs"/>
+              </a:rPr>
+              <a:t> και </a:t>
+            </a:r>
+            <a:r>
+              <a:rPr lang="en-US" sz="1200" kern="1200" dirty="0">
+                <a:solidFill>
+                  <a:schemeClr val="tx1"/>
+                </a:solidFill>
+                <a:effectLst/>
+                <a:latin typeface="+mn-lt"/>
+                <a:ea typeface="+mn-ea"/>
+                <a:cs typeface="+mn-cs"/>
+              </a:rPr>
               <a:t>Dropout</a:t>
             </a:r>
             <a:r>
-              <a:rPr lang="el-GR" dirty="0"/>
-              <a:t> 0.4. Εκπαιδεύτηκε με </a:t>
-            </a:r>
-            <a:r>
-              <a:rPr lang="el-GR" dirty="0" err="1"/>
-              <a:t>learning</a:t>
-            </a:r>
-            <a:r>
-              <a:rPr lang="el-GR" dirty="0"/>
-              <a:t> </a:t>
-            </a:r>
-            <a:r>
-              <a:rPr lang="el-GR" dirty="0" err="1"/>
-              <a:t>rate</a:t>
-            </a:r>
-            <a:r>
-              <a:rPr lang="el-GR" dirty="0"/>
-              <a:t> από 0.001 έως 0.00007 και </a:t>
-            </a:r>
-            <a:r>
-              <a:rPr lang="el-GR" dirty="0" err="1"/>
-              <a:t>batch</a:t>
-            </a:r>
-            <a:r>
-              <a:rPr lang="el-GR" dirty="0"/>
-              <a:t> </a:t>
-            </a:r>
-            <a:r>
-              <a:rPr lang="el-GR" dirty="0" err="1"/>
-              <a:t>size</a:t>
-            </a:r>
-            <a:r>
-              <a:rPr lang="el-GR" dirty="0"/>
-              <a:t> 32 ή 64. Η ακρίβειά του στο </a:t>
-            </a:r>
-            <a:r>
-              <a:rPr lang="el-GR" dirty="0" err="1"/>
-              <a:t>validation</a:t>
-            </a:r>
-            <a:r>
-              <a:rPr lang="el-GR" dirty="0"/>
-              <a:t> </a:t>
-            </a:r>
-            <a:r>
-              <a:rPr lang="el-GR" dirty="0" err="1"/>
-              <a:t>set</a:t>
-            </a:r>
-            <a:r>
-              <a:rPr lang="el-GR" dirty="0"/>
-              <a:t> έφτασε μέχρι </a:t>
-            </a:r>
-            <a:r>
-              <a:rPr lang="el-GR" b="1" dirty="0"/>
-              <a:t>78.4%</a:t>
-            </a:r>
-            <a:r>
-              <a:rPr lang="el-GR" dirty="0"/>
-              <a:t>, με συνολικά πολύ ικανοποιητική συμπεριφορά.</a:t>
-            </a:r>
-          </a:p>
-          <a:p>
-            <a:pPr>
-              <a:buNone/>
-            </a:pPr>
-            <a:r>
-              <a:rPr lang="el-GR" b="1" dirty="0"/>
-              <a:t>CNN02 – Αρχιτεκτονική &amp; Εκπαίδευση</a:t>
-            </a:r>
-          </a:p>
-          <a:p>
-            <a:r>
-              <a:rPr lang="el-GR" dirty="0"/>
-              <a:t>Το </a:t>
-            </a:r>
-            <a:r>
-              <a:rPr lang="el-GR" b="1" dirty="0"/>
-              <a:t>CNN02</a:t>
-            </a:r>
-            <a:r>
-              <a:rPr lang="el-GR" dirty="0"/>
-              <a:t> είναι μια πιο σύνθετη εκδοχή με φίλτρα 32 → 64 → 128 και </a:t>
-            </a:r>
-            <a:r>
-              <a:rPr lang="el-GR" dirty="0" err="1"/>
+              <a:rPr lang="el-GR" sz="1200" kern="1200" dirty="0">
+                <a:solidFill>
+                  <a:schemeClr val="tx1"/>
+                </a:solidFill>
+                <a:effectLst/>
+                <a:latin typeface="+mn-lt"/>
+                <a:ea typeface="+mn-ea"/>
+                <a:cs typeface="+mn-cs"/>
+              </a:rPr>
+              <a:t> 0.4.</a:t>
+            </a:r>
+          </a:p>
+          <a:p>
+            <a:r>
+              <a:rPr lang="el-GR" sz="1200" kern="1200" dirty="0">
+                <a:solidFill>
+                  <a:schemeClr val="tx1"/>
+                </a:solidFill>
+                <a:effectLst/>
+                <a:latin typeface="+mn-lt"/>
+                <a:ea typeface="+mn-ea"/>
+                <a:cs typeface="+mn-cs"/>
+              </a:rPr>
+              <a:t>Το CNN02 είναι πιο </a:t>
+            </a:r>
+            <a:r>
+              <a:rPr lang="el-GR" sz="1200" kern="1200" dirty="0" err="1">
+                <a:solidFill>
+                  <a:schemeClr val="tx1"/>
+                </a:solidFill>
+                <a:effectLst/>
+                <a:latin typeface="+mn-lt"/>
+                <a:ea typeface="+mn-ea"/>
+                <a:cs typeface="+mn-cs"/>
+              </a:rPr>
+              <a:t>πολυπλοκο</a:t>
+            </a:r>
+            <a:r>
+              <a:rPr lang="el-GR" sz="1200" kern="1200" dirty="0">
+                <a:solidFill>
+                  <a:schemeClr val="tx1"/>
+                </a:solidFill>
+                <a:effectLst/>
+                <a:latin typeface="+mn-lt"/>
+                <a:ea typeface="+mn-ea"/>
+                <a:cs typeface="+mn-cs"/>
+              </a:rPr>
+              <a:t>, με 3 </a:t>
+            </a:r>
+            <a:r>
+              <a:rPr lang="el-GR" sz="1200" kern="1200" dirty="0" err="1">
+                <a:solidFill>
+                  <a:schemeClr val="tx1"/>
+                </a:solidFill>
+                <a:effectLst/>
+                <a:latin typeface="+mn-lt"/>
+                <a:ea typeface="+mn-ea"/>
+                <a:cs typeface="+mn-cs"/>
+              </a:rPr>
+              <a:t>blocks</a:t>
+            </a:r>
+            <a:r>
+              <a:rPr lang="el-GR" sz="1200" kern="1200" dirty="0">
+                <a:solidFill>
+                  <a:schemeClr val="tx1"/>
+                </a:solidFill>
+                <a:effectLst/>
+                <a:latin typeface="+mn-lt"/>
+                <a:ea typeface="+mn-ea"/>
+                <a:cs typeface="+mn-cs"/>
+              </a:rPr>
+              <a:t> επίσης, αλλά με περισσότερα φίλτρα: 32→64→128. Επιπλέον, διαθέτει δυνατότερο </a:t>
+            </a:r>
+            <a:r>
+              <a:rPr lang="el-GR" sz="1200" kern="1200" dirty="0" err="1">
+                <a:solidFill>
+                  <a:schemeClr val="tx1"/>
+                </a:solidFill>
+                <a:effectLst/>
+                <a:latin typeface="+mn-lt"/>
+                <a:ea typeface="+mn-ea"/>
+                <a:cs typeface="+mn-cs"/>
+              </a:rPr>
+              <a:t>classifier</a:t>
+            </a:r>
+            <a:r>
+              <a:rPr lang="el-GR" sz="1200" kern="1200" dirty="0">
+                <a:solidFill>
+                  <a:schemeClr val="tx1"/>
+                </a:solidFill>
+                <a:effectLst/>
+                <a:latin typeface="+mn-lt"/>
+                <a:ea typeface="+mn-ea"/>
+                <a:cs typeface="+mn-cs"/>
+              </a:rPr>
+              <a:t> και </a:t>
+            </a:r>
+            <a:r>
+              <a:rPr lang="el-GR" sz="1200" kern="1200" dirty="0" err="1">
+                <a:solidFill>
+                  <a:schemeClr val="tx1"/>
+                </a:solidFill>
+                <a:effectLst/>
+                <a:latin typeface="+mn-lt"/>
+                <a:ea typeface="+mn-ea"/>
+                <a:cs typeface="+mn-cs"/>
+              </a:rPr>
               <a:t>Dropout</a:t>
             </a:r>
             <a:r>
-              <a:rPr lang="el-GR" dirty="0"/>
-              <a:t> 0.5. Παρότι πιο αργό στην εκπαίδευση, είχε καλύτερη αναπαραστατική ικανότητα και έφτασε </a:t>
-            </a:r>
-            <a:r>
-              <a:rPr lang="el-GR" dirty="0" err="1"/>
-              <a:t>val</a:t>
-            </a:r>
-            <a:r>
-              <a:rPr lang="el-GR" dirty="0"/>
-              <a:t> </a:t>
-            </a:r>
-            <a:r>
-              <a:rPr lang="el-GR" dirty="0" err="1"/>
-              <a:t>accuracy</a:t>
-            </a:r>
-            <a:r>
-              <a:rPr lang="el-GR" dirty="0"/>
-              <a:t> </a:t>
-            </a:r>
-            <a:r>
-              <a:rPr lang="el-GR" b="1" dirty="0"/>
-              <a:t>79.4%</a:t>
-            </a:r>
-            <a:r>
-              <a:rPr lang="el-GR" dirty="0"/>
-              <a:t>. Ωστόσο, παρουσίασε μεγαλύτερη ευαισθησία στο </a:t>
-            </a:r>
-            <a:r>
-              <a:rPr lang="el-GR" dirty="0" err="1"/>
-              <a:t>overfitting</a:t>
-            </a:r>
-            <a:r>
-              <a:rPr lang="el-GR" dirty="0"/>
-              <a:t>, κυρίως λόγω του αυξημένου αριθμού παραμέτρων.</a:t>
+              <a:rPr lang="el-GR" sz="1200" kern="1200" dirty="0">
+                <a:solidFill>
+                  <a:schemeClr val="tx1"/>
+                </a:solidFill>
+                <a:effectLst/>
+                <a:latin typeface="+mn-lt"/>
+                <a:ea typeface="+mn-ea"/>
+                <a:cs typeface="+mn-cs"/>
+              </a:rPr>
+              <a:t> 0.5, ώστε να μειωθεί ο κίνδυνος </a:t>
+            </a:r>
+            <a:r>
+              <a:rPr lang="el-GR" sz="1200" kern="1200" dirty="0" err="1">
+                <a:solidFill>
+                  <a:schemeClr val="tx1"/>
+                </a:solidFill>
+                <a:effectLst/>
+                <a:latin typeface="+mn-lt"/>
+                <a:ea typeface="+mn-ea"/>
+                <a:cs typeface="+mn-cs"/>
+              </a:rPr>
+              <a:t>υπερπροσαρμογής</a:t>
+            </a:r>
+            <a:r>
+              <a:rPr lang="el-GR" sz="1200" kern="1200" dirty="0">
+                <a:solidFill>
+                  <a:schemeClr val="tx1"/>
+                </a:solidFill>
+                <a:effectLst/>
+                <a:latin typeface="+mn-lt"/>
+                <a:ea typeface="+mn-ea"/>
+                <a:cs typeface="+mn-cs"/>
+              </a:rPr>
+              <a:t>. </a:t>
             </a:r>
           </a:p>
           <a:p>
@@ -1506,214 +2741,274 @@
           <a:bodyPr/>
           <a:lstStyle/>
           <a:p>
-            <a:pPr>
+            <a:pPr marL="0" marR="0" lvl="0" indent="0" algn="l" defTabSz="914400" rtl="0" eaLnBrk="1" fontAlgn="auto" latinLnBrk="0" hangingPunct="1">
+              <a:lnSpc>
+                <a:spcPct val="100000"/>
+              </a:lnSpc>
+              <a:spcBef>
+                <a:spcPts val="0"/>
+              </a:spcBef>
+              <a:spcAft>
+                <a:spcPts val="0"/>
+              </a:spcAft>
+              <a:buClrTx/>
+              <a:buSzTx/>
+              <a:buFontTx/>
               <a:buNone/>
+              <a:tabLst/>
+              <a:defRPr/>
             </a:pPr>
-            <a:endParaRPr lang="en-US" dirty="0"/>
-          </a:p>
-          <a:p>
-            <a:pPr>
-              <a:buNone/>
-            </a:pPr>
-            <a:r>
-              <a:rPr lang="el-GR" b="1" dirty="0"/>
-              <a:t>Πειραματισμοί &amp; </a:t>
-            </a:r>
-            <a:r>
-              <a:rPr lang="el-GR" b="1" dirty="0" err="1"/>
-              <a:t>Υπερπαράμετροι</a:t>
-            </a:r>
-            <a:endParaRPr lang="el-GR" b="1" dirty="0"/>
-          </a:p>
-          <a:p>
-            <a:r>
-              <a:rPr lang="el-GR" dirty="0"/>
-              <a:t>Δοκιμάστηκαν συνδυασμοί </a:t>
-            </a:r>
-            <a:r>
-              <a:rPr lang="el-GR" dirty="0" err="1"/>
+            <a:r>
+              <a:rPr lang="el-GR" sz="1200" kern="1200" dirty="0">
+                <a:solidFill>
+                  <a:schemeClr val="tx1"/>
+                </a:solidFill>
+                <a:effectLst/>
+                <a:latin typeface="+mn-lt"/>
+                <a:ea typeface="+mn-ea"/>
+                <a:cs typeface="+mn-cs"/>
+              </a:rPr>
+              <a:t>«Δοκιμάσαμε διάφορες </a:t>
+            </a:r>
+            <a:r>
+              <a:rPr lang="el-GR" sz="1200" kern="1200" dirty="0" err="1">
+                <a:solidFill>
+                  <a:schemeClr val="tx1"/>
+                </a:solidFill>
+                <a:effectLst/>
+                <a:latin typeface="+mn-lt"/>
+                <a:ea typeface="+mn-ea"/>
+                <a:cs typeface="+mn-cs"/>
+              </a:rPr>
+              <a:t>υπερπαραμέτρους</a:t>
+            </a:r>
+            <a:r>
+              <a:rPr lang="el-GR" sz="1200" kern="1200" dirty="0">
+                <a:solidFill>
+                  <a:schemeClr val="tx1"/>
+                </a:solidFill>
+                <a:effectLst/>
+                <a:latin typeface="+mn-lt"/>
+                <a:ea typeface="+mn-ea"/>
+                <a:cs typeface="+mn-cs"/>
+              </a:rPr>
+              <a:t>: </a:t>
+            </a:r>
+            <a:r>
+              <a:rPr lang="el-GR" sz="1200" kern="1200" dirty="0" err="1">
+                <a:solidFill>
+                  <a:schemeClr val="tx1"/>
+                </a:solidFill>
+                <a:effectLst/>
+                <a:latin typeface="+mn-lt"/>
+                <a:ea typeface="+mn-ea"/>
+                <a:cs typeface="+mn-cs"/>
+              </a:rPr>
               <a:t>learning</a:t>
             </a:r>
             <a:r>
-              <a:rPr lang="el-GR" dirty="0"/>
+              <a:rPr lang="el-GR" sz="1200" kern="1200" dirty="0">
+                <a:solidFill>
+                  <a:schemeClr val="tx1"/>
+                </a:solidFill>
+                <a:effectLst/>
+                <a:latin typeface="+mn-lt"/>
+                <a:ea typeface="+mn-ea"/>
+                <a:cs typeface="+mn-cs"/>
+              </a:rPr>
               <a:t> </a:t>
             </a:r>
             <a:r>
-              <a:rPr lang="el-GR" dirty="0" err="1"/>
-              <a:t>rate</a:t>
-            </a:r>
-            <a:r>
-              <a:rPr lang="el-GR" dirty="0"/>
-              <a:t> και </a:t>
-            </a:r>
-            <a:r>
-              <a:rPr lang="el-GR" dirty="0" err="1"/>
+              <a:rPr lang="el-GR" sz="1200" kern="1200" dirty="0" err="1">
+                <a:solidFill>
+                  <a:schemeClr val="tx1"/>
+                </a:solidFill>
+                <a:effectLst/>
+                <a:latin typeface="+mn-lt"/>
+                <a:ea typeface="+mn-ea"/>
+                <a:cs typeface="+mn-cs"/>
+              </a:rPr>
+              <a:t>rates</a:t>
+            </a:r>
+            <a:r>
+              <a:rPr lang="el-GR" sz="1200" kern="1200" dirty="0">
+                <a:solidFill>
+                  <a:schemeClr val="tx1"/>
+                </a:solidFill>
+                <a:effectLst/>
+                <a:latin typeface="+mn-lt"/>
+                <a:ea typeface="+mn-ea"/>
+                <a:cs typeface="+mn-cs"/>
+              </a:rPr>
+              <a:t> από 0.00007 έως 0.001 και </a:t>
+            </a:r>
+            <a:r>
+              <a:rPr lang="el-GR" sz="1200" kern="1200" dirty="0" err="1">
+                <a:solidFill>
+                  <a:schemeClr val="tx1"/>
+                </a:solidFill>
+                <a:effectLst/>
+                <a:latin typeface="+mn-lt"/>
+                <a:ea typeface="+mn-ea"/>
+                <a:cs typeface="+mn-cs"/>
+              </a:rPr>
               <a:t>batch</a:t>
             </a:r>
             <a:r>
-              <a:rPr lang="el-GR" dirty="0"/>
+              <a:rPr lang="el-GR" sz="1200" kern="1200" dirty="0">
+                <a:solidFill>
+                  <a:schemeClr val="tx1"/>
+                </a:solidFill>
+                <a:effectLst/>
+                <a:latin typeface="+mn-lt"/>
+                <a:ea typeface="+mn-ea"/>
+                <a:cs typeface="+mn-cs"/>
+              </a:rPr>
               <a:t> </a:t>
             </a:r>
             <a:r>
-              <a:rPr lang="el-GR" dirty="0" err="1"/>
-              <a:t>size</a:t>
-            </a:r>
-            <a:r>
-              <a:rPr lang="el-GR" dirty="0"/>
-              <a:t>, με χρήση </a:t>
-            </a:r>
-            <a:r>
-              <a:rPr lang="el-GR" dirty="0" err="1"/>
-              <a:t>EarlyStopping</a:t>
-            </a:r>
-            <a:r>
-              <a:rPr lang="el-GR" dirty="0"/>
-              <a:t> για να αποφεύγουμε την </a:t>
-            </a:r>
-            <a:r>
-              <a:rPr lang="el-GR" dirty="0" err="1"/>
-              <a:t>υπερπροσαρμογή</a:t>
-            </a:r>
-            <a:r>
-              <a:rPr lang="el-GR" dirty="0"/>
-              <a:t>. Η σταθερότητα του CNN01 ήταν εντυπωσιακή, ενώ το CNN02, αν και ισχυρότερο, ήταν πιο «ευαίσθητο» στις παραμέτρους.</a:t>
-            </a:r>
-            <a:endParaRPr lang="en-US" dirty="0"/>
-          </a:p>
-          <a:p>
-            <a:endParaRPr lang="en-US" dirty="0"/>
-          </a:p>
-          <a:p>
-            <a:pPr>
-              <a:buNone/>
-            </a:pPr>
-            <a:r>
-              <a:rPr lang="el-GR" dirty="0" err="1"/>
-              <a:t>περπαράμετροι</a:t>
-            </a:r>
-            <a:r>
-              <a:rPr lang="el-GR" dirty="0"/>
-              <a:t> που δοκιμάστηκαν: </a:t>
-            </a:r>
-          </a:p>
-          <a:p>
-            <a:pPr>
-              <a:buNone/>
-            </a:pPr>
-            <a:r>
-              <a:rPr lang="el-GR" dirty="0" err="1"/>
-              <a:t>Learning</a:t>
-            </a:r>
-            <a:r>
-              <a:rPr lang="el-GR" dirty="0"/>
+              <a:rPr lang="el-GR" sz="1200" kern="1200" dirty="0" err="1">
+                <a:solidFill>
+                  <a:schemeClr val="tx1"/>
+                </a:solidFill>
+                <a:effectLst/>
+                <a:latin typeface="+mn-lt"/>
+                <a:ea typeface="+mn-ea"/>
+                <a:cs typeface="+mn-cs"/>
+              </a:rPr>
+              <a:t>sizes</a:t>
+            </a:r>
+            <a:r>
+              <a:rPr lang="el-GR" sz="1200" kern="1200" dirty="0">
+                <a:solidFill>
+                  <a:schemeClr val="tx1"/>
+                </a:solidFill>
+                <a:effectLst/>
+                <a:latin typeface="+mn-lt"/>
+                <a:ea typeface="+mn-ea"/>
+                <a:cs typeface="+mn-cs"/>
+              </a:rPr>
+              <a:t> 32 και 64. Χρησιμοποιήσαμε </a:t>
+            </a:r>
+            <a:r>
+              <a:rPr lang="el-GR" sz="1200" kern="1200" dirty="0" err="1">
+                <a:solidFill>
+                  <a:schemeClr val="tx1"/>
+                </a:solidFill>
+                <a:effectLst/>
+                <a:latin typeface="+mn-lt"/>
+                <a:ea typeface="+mn-ea"/>
+                <a:cs typeface="+mn-cs"/>
+              </a:rPr>
+              <a:t>early</a:t>
+            </a:r>
+            <a:r>
+              <a:rPr lang="el-GR" sz="1200" kern="1200" dirty="0">
+                <a:solidFill>
+                  <a:schemeClr val="tx1"/>
+                </a:solidFill>
+                <a:effectLst/>
+                <a:latin typeface="+mn-lt"/>
+                <a:ea typeface="+mn-ea"/>
+                <a:cs typeface="+mn-cs"/>
+              </a:rPr>
               <a:t> </a:t>
             </a:r>
             <a:r>
-              <a:rPr lang="el-GR" dirty="0" err="1"/>
-              <a:t>Rates</a:t>
-            </a:r>
-            <a:r>
-              <a:rPr lang="el-GR" dirty="0"/>
-              <a:t>: 0.001, 0.0005, 0.0003, 0.0001, 0.00007. </a:t>
-            </a:r>
-          </a:p>
-          <a:p>
-            <a:pPr>
-              <a:buNone/>
-            </a:pPr>
-            <a:r>
-              <a:rPr lang="el-GR" dirty="0"/>
-              <a:t>Σκοπός: Να μελετηθεί ο ρυθμός σύγκλισης και η σταθερότητα του μοντέλου. </a:t>
-            </a:r>
-          </a:p>
-          <a:p>
-            <a:pPr>
-              <a:buNone/>
-            </a:pPr>
-            <a:r>
-              <a:rPr lang="el-GR" dirty="0" err="1"/>
-              <a:t>Batch</a:t>
-            </a:r>
-            <a:r>
-              <a:rPr lang="el-GR" dirty="0"/>
-              <a:t> </a:t>
-            </a:r>
-            <a:r>
-              <a:rPr lang="el-GR" dirty="0" err="1"/>
-              <a:t>Sizes</a:t>
-            </a:r>
-            <a:r>
-              <a:rPr lang="el-GR" dirty="0"/>
-              <a:t>: 32 και 64. </a:t>
-            </a:r>
-          </a:p>
-          <a:p>
-            <a:pPr>
-              <a:buNone/>
-            </a:pPr>
-            <a:r>
-              <a:rPr lang="el-GR" dirty="0"/>
-              <a:t>Σκοπός: Να αξιολογηθεί η επίδραση στο χρόνο εκπαίδευσης και στην απόδοση. </a:t>
-            </a:r>
-          </a:p>
-          <a:p>
-            <a:pPr>
-              <a:buNone/>
-            </a:pPr>
-            <a:r>
-              <a:rPr lang="el-GR" dirty="0" err="1"/>
-              <a:t>EarlyStopping</a:t>
-            </a:r>
-            <a:r>
-              <a:rPr lang="el-GR" dirty="0"/>
-              <a:t>: </a:t>
-            </a:r>
-          </a:p>
-          <a:p>
-            <a:pPr>
-              <a:buNone/>
-            </a:pPr>
-            <a:r>
-              <a:rPr lang="el-GR" dirty="0"/>
-              <a:t>με </a:t>
-            </a:r>
-            <a:r>
-              <a:rPr lang="el-GR" dirty="0" err="1"/>
+              <a:rPr lang="el-GR" sz="1200" kern="1200" dirty="0" err="1">
+                <a:solidFill>
+                  <a:schemeClr val="tx1"/>
+                </a:solidFill>
+                <a:effectLst/>
+                <a:latin typeface="+mn-lt"/>
+                <a:ea typeface="+mn-ea"/>
+                <a:cs typeface="+mn-cs"/>
+              </a:rPr>
+              <a:t>stopping</a:t>
+            </a:r>
+            <a:r>
+              <a:rPr lang="el-GR" sz="1200" kern="1200" dirty="0">
+                <a:solidFill>
+                  <a:schemeClr val="tx1"/>
+                </a:solidFill>
+                <a:effectLst/>
+                <a:latin typeface="+mn-lt"/>
+                <a:ea typeface="+mn-ea"/>
+                <a:cs typeface="+mn-cs"/>
+              </a:rPr>
+              <a:t> με </a:t>
+            </a:r>
+            <a:r>
+              <a:rPr lang="el-GR" sz="1200" kern="1200" dirty="0" err="1">
+                <a:solidFill>
+                  <a:schemeClr val="tx1"/>
+                </a:solidFill>
+                <a:effectLst/>
+                <a:latin typeface="+mn-lt"/>
+                <a:ea typeface="+mn-ea"/>
+                <a:cs typeface="+mn-cs"/>
+              </a:rPr>
               <a:t>patience</a:t>
             </a:r>
             <a:r>
-              <a:rPr lang="el-GR" dirty="0"/>
-              <a:t> για αποτροπή </a:t>
-            </a:r>
-            <a:r>
-              <a:rPr lang="el-GR" dirty="0" err="1"/>
-              <a:t>overfitting</a:t>
-            </a:r>
-            <a:r>
-              <a:rPr lang="el-GR" dirty="0"/>
-              <a:t>. </a:t>
-            </a:r>
-          </a:p>
-          <a:p>
-            <a:r>
-              <a:rPr lang="el-GR" dirty="0"/>
-              <a:t>τερματισμός εκπαίδευσης εφόσον δεν υπάρχει βελτίωση του </a:t>
-            </a:r>
-            <a:r>
-              <a:rPr lang="el-GR" dirty="0" err="1"/>
-              <a:t>validation</a:t>
-            </a:r>
-            <a:r>
-              <a:rPr lang="el-GR" dirty="0"/>
-              <a:t> </a:t>
-            </a:r>
-            <a:r>
-              <a:rPr lang="el-GR" dirty="0" err="1"/>
-              <a:t>loss</a:t>
-            </a:r>
-            <a:r>
-              <a:rPr lang="el-GR" dirty="0"/>
-              <a:t> μετά από Χ εποχές.</a:t>
+              <a:rPr lang="el-GR" sz="1200" kern="1200" dirty="0">
+                <a:solidFill>
+                  <a:schemeClr val="tx1"/>
+                </a:solidFill>
+                <a:effectLst/>
+                <a:latin typeface="+mn-lt"/>
+                <a:ea typeface="+mn-ea"/>
+                <a:cs typeface="+mn-cs"/>
+              </a:rPr>
+              <a:t>=3 για αποφυγή </a:t>
+            </a:r>
+            <a:r>
+              <a:rPr lang="el-GR" sz="1200" kern="1200" dirty="0" err="1">
+                <a:solidFill>
+                  <a:schemeClr val="tx1"/>
+                </a:solidFill>
+                <a:effectLst/>
+                <a:latin typeface="+mn-lt"/>
+                <a:ea typeface="+mn-ea"/>
+                <a:cs typeface="+mn-cs"/>
+              </a:rPr>
+              <a:t>υπερπροσαρμογής</a:t>
+            </a:r>
+            <a:r>
+              <a:rPr lang="el-GR" sz="1200" kern="1200" dirty="0">
+                <a:solidFill>
+                  <a:schemeClr val="tx1"/>
+                </a:solidFill>
+                <a:effectLst/>
+                <a:latin typeface="+mn-lt"/>
+                <a:ea typeface="+mn-ea"/>
+                <a:cs typeface="+mn-cs"/>
+              </a:rPr>
+              <a:t>. Συνολικά εκτελέσαμε 20 </a:t>
+            </a:r>
+            <a:r>
+              <a:rPr lang="el-GR" sz="1200" kern="1200" dirty="0" err="1">
+                <a:solidFill>
+                  <a:schemeClr val="tx1"/>
+                </a:solidFill>
+                <a:effectLst/>
+                <a:latin typeface="+mn-lt"/>
+                <a:ea typeface="+mn-ea"/>
+                <a:cs typeface="+mn-cs"/>
+              </a:rPr>
+              <a:t>runs</a:t>
+            </a:r>
+            <a:r>
+              <a:rPr lang="el-GR" sz="1200" kern="1200" dirty="0">
+                <a:solidFill>
+                  <a:schemeClr val="tx1"/>
+                </a:solidFill>
+                <a:effectLst/>
+                <a:latin typeface="+mn-lt"/>
+                <a:ea typeface="+mn-ea"/>
+                <a:cs typeface="+mn-cs"/>
+              </a:rPr>
+              <a:t> για κάθε CNN.»</a:t>
             </a:r>
           </a:p>
           <a:p>
@@ -1801,124 +3096,6 @@
           <a:bodyPr/>
           <a:lstStyle/>
           <a:p>
-            <a:r>
-              <a:rPr lang="el-GR" dirty="0"/>
-              <a:t>Το </a:t>
-            </a:r>
-            <a:r>
-              <a:rPr lang="el-GR" b="1" dirty="0"/>
-              <a:t>CNN01</a:t>
-            </a:r>
-            <a:r>
-              <a:rPr lang="el-GR" dirty="0"/>
-              <a:t> είναι ένα απλό, ελαφρύ </a:t>
-            </a:r>
-            <a:r>
-              <a:rPr lang="el-GR" dirty="0" err="1"/>
-              <a:t>συνελικτικό</a:t>
-            </a:r>
-            <a:r>
-              <a:rPr lang="el-GR" dirty="0"/>
-              <a:t> δίκτυο που σχεδιάστηκε ως </a:t>
-            </a:r>
-            <a:r>
-              <a:rPr lang="el-GR" dirty="0" err="1"/>
-              <a:t>baseline</a:t>
-            </a:r>
-            <a:r>
-              <a:rPr lang="el-GR" dirty="0"/>
-              <a:t> μοντέλο για </a:t>
-            </a:r>
-            <a:r>
-              <a:rPr lang="el-GR" dirty="0" err="1"/>
-              <a:t>datasets</a:t>
-            </a:r>
-            <a:r>
-              <a:rPr lang="el-GR" dirty="0"/>
-              <a:t> μικρού μεγέθους.</a:t>
-            </a:r>
-            <a:br>
-              <a:rPr lang="el-GR" dirty="0"/>
-            </a:br>
-            <a:r>
-              <a:rPr lang="el-GR" dirty="0"/>
-              <a:t>Αποτελείται από </a:t>
-            </a:r>
-            <a:r>
-              <a:rPr lang="el-GR" b="1" dirty="0"/>
-              <a:t>3 </a:t>
-            </a:r>
-            <a:r>
-              <a:rPr lang="el-GR" b="1" dirty="0" err="1"/>
-              <a:t>convolutional</a:t>
-            </a:r>
-            <a:r>
-              <a:rPr lang="el-GR" b="1" dirty="0"/>
-              <a:t> </a:t>
-            </a:r>
-            <a:r>
-              <a:rPr lang="el-GR" b="1" dirty="0" err="1"/>
-              <a:t>blocks</a:t>
-            </a:r>
-            <a:r>
-              <a:rPr lang="el-GR" dirty="0"/>
-              <a:t> με φίλτρα 3→8, 8→16 και 16→32, και στο τέλος ακολουθεί ένας </a:t>
-            </a:r>
-            <a:r>
-              <a:rPr lang="el-GR" dirty="0" err="1"/>
-              <a:t>fully</a:t>
-            </a:r>
-            <a:r>
-              <a:rPr lang="el-GR" dirty="0"/>
-              <a:t> </a:t>
-            </a:r>
-            <a:r>
-              <a:rPr lang="el-GR" dirty="0" err="1"/>
-              <a:t>connected</a:t>
-            </a:r>
-            <a:r>
-              <a:rPr lang="el-GR" dirty="0"/>
-              <a:t> </a:t>
-            </a:r>
-            <a:r>
-              <a:rPr lang="el-GR" dirty="0" err="1"/>
-              <a:t>ταξινομητής</a:t>
-            </a:r>
-            <a:r>
-              <a:rPr lang="el-GR" dirty="0"/>
-              <a:t>.</a:t>
-            </a:r>
-          </a:p>
-          <a:p>
-            <a:r>
-              <a:rPr lang="el-GR" dirty="0"/>
-              <a:t>Η εκπαίδευση έγινε με χρήση του </a:t>
-            </a:r>
-            <a:r>
-              <a:rPr lang="el-GR" b="1" dirty="0"/>
-              <a:t>train.py</a:t>
-            </a:r>
-            <a:r>
-              <a:rPr lang="el-GR" dirty="0"/>
-              <a:t>, με </a:t>
-            </a:r>
-            <a:r>
-              <a:rPr lang="el-GR" dirty="0" err="1"/>
-              <a:t>logging</a:t>
-            </a:r>
-            <a:r>
-              <a:rPr lang="el-GR" dirty="0"/>
-              <a:t> και αποθήκευση μοντέλων αυτόματα.</a:t>
-            </a:r>
-            <a:br>
-              <a:rPr lang="el-GR" dirty="0"/>
-            </a:br>
-            <a:r>
-              <a:rPr lang="el-GR" dirty="0"/>
-              <a:t>Στόχος ήταν να προσφέρει μια αφετηρία για αξιολόγηση και πειραματισμό, με μικρή υπολογιστική απαίτηση.</a:t>
-            </a:r>
-          </a:p>
-          <a:p>
             <a:endParaRPr lang="el-GR" dirty="0"/>
           </a:p>
         </p:txBody>
@@ -2004,229 +3181,306 @@
           <a:lstStyle/>
           <a:p>
             <a:r>
-              <a:rPr lang="el-GR"/>
-              <a:t>Ένα από τα καλύτερα runs του </a:t>
-            </a:r>
-            <a:r>
-              <a:rPr lang="el-GR" b="1"/>
-              <a:t>CNN01</a:t>
-            </a:r>
-            <a:r>
-              <a:rPr lang="el-GR"/>
-              <a:t> πραγματοποιήθηκε με learning rate </a:t>
-            </a:r>
-            <a:r>
-              <a:rPr lang="el-GR" b="1"/>
-              <a:t>0.0003</a:t>
-            </a:r>
-            <a:r>
-              <a:rPr lang="el-GR"/>
-              <a:t> και </a:t>
-            </a:r>
-            <a:r>
-              <a:rPr lang="el-GR" b="1"/>
-              <a:t>batch size 64</a:t>
-            </a:r>
-            <a:r>
-              <a:rPr lang="el-GR"/>
-              <a:t>, ολοκληρώνοντας την εκπαίδευση σε μόλις </a:t>
-            </a:r>
-            <a:r>
-              <a:rPr lang="el-GR" b="1"/>
-              <a:t>9 epochs</a:t>
-            </a:r>
-            <a:r>
-              <a:rPr lang="el-GR"/>
-              <a:t>. Παρά τον σύντομο χρόνο εκπαίδευσης (~4 λεπτά), πέτυχε </a:t>
-            </a:r>
-            <a:r>
-              <a:rPr lang="el-GR" b="1"/>
-              <a:t>val accuracy 78.4%</a:t>
-            </a:r>
-            <a:r>
-              <a:rPr lang="el-GR"/>
-              <a:t>, πολύ κοντά στο μέγιστο που πέτυχε συνολικά το μοντέλο. Αυτό δείχνει ότι η κατάλληλη παραμετροποίηση μπορεί να οδηγήσει σε γρήγορη και αποδοτική μάθηση, ακόμα και χωρίς πολύ μεγάλα δίκτυα.</a:t>
-            </a:r>
-          </a:p>
-          <a:p>
-            <a:pPr>
-              <a:buNone/>
-            </a:pPr>
-            <a:r>
-              <a:rPr lang="el-GR" b="1"/>
-              <a:t>Παρουσίαση Διαφάνειας CNN01 – Κορυφαίο Run</a:t>
-            </a:r>
-            <a:endParaRPr lang="el-GR"/>
-          </a:p>
-          <a:p>
-            <a:pPr>
-              <a:buNone/>
-            </a:pPr>
-            <a:r>
-              <a:rPr lang="el-GR"/>
-              <a:t>Σε αυτή τη διαφάνεια βλέπουμε τα αποτελέσματα από το καλύτερο run του πρώτου μας μοντέλου, του </a:t>
-            </a:r>
-            <a:r>
-              <a:rPr lang="el-GR" b="1"/>
-              <a:t>CNN01</a:t>
-            </a:r>
-            <a:r>
-              <a:rPr lang="el-GR"/>
-              <a:t>, το οποίο αποτέλεσε τη βασική αρχιτεκτονική εκκίνησης για το πρόβλημα ταξινόμησης.</a:t>
-            </a:r>
-          </a:p>
-          <a:p>
-            <a:pPr>
-              <a:buNone/>
-            </a:pPr>
-            <a:r>
-              <a:rPr lang="el-GR"/>
-              <a:t>🔹 Το μοντέλο εκπαιδεύτηκε με εικόνες </a:t>
-            </a:r>
-            <a:r>
-              <a:rPr lang="el-GR" b="1"/>
-              <a:t>128 επί 128 pixels</a:t>
-            </a:r>
-            <a:r>
-              <a:rPr lang="el-GR"/>
-              <a:t>, χρησιμοποιώντας </a:t>
-            </a:r>
-            <a:r>
-              <a:rPr lang="el-GR" b="1"/>
-              <a:t>batch size 64</a:t>
-            </a:r>
-            <a:r>
-              <a:rPr lang="el-GR"/>
-              <a:t>, και έτρεξε για </a:t>
-            </a:r>
-            <a:r>
-              <a:rPr lang="el-GR" b="1"/>
-              <a:t>9 epochs</a:t>
-            </a:r>
-            <a:r>
-              <a:rPr lang="el-GR"/>
-              <a:t>, καθώς ενεργοποιήθηκε το early stopping.</a:t>
-            </a:r>
-          </a:p>
-          <a:p>
-            <a:pPr>
-              <a:buNone/>
-            </a:pPr>
-            <a:r>
-              <a:rPr lang="el-GR"/>
-              <a:t>🔹 Το learning rate που χρησιμοποιήθηκε ήταν </a:t>
-            </a:r>
-            <a:r>
-              <a:rPr lang="el-GR" b="1"/>
-              <a:t>0.0003</a:t>
-            </a:r>
-            <a:r>
-              <a:rPr lang="el-GR"/>
-              <a:t>, το οποίο οδήγησε σε σταθερή εκπαίδευση και ικανοποιητική σύγκλιση.</a:t>
-            </a:r>
-          </a:p>
-          <a:p>
-            <a:pPr>
-              <a:buNone/>
-            </a:pPr>
-            <a:r>
-              <a:rPr lang="el-GR"/>
-              <a:t>🔹 Το τελικό validation accuracy έφτασε το </a:t>
-            </a:r>
-            <a:r>
-              <a:rPr lang="el-GR" b="1"/>
-              <a:t>78.4%</a:t>
-            </a:r>
-            <a:r>
-              <a:rPr lang="el-GR"/>
-              <a:t>, με τιμή val_accuracy </a:t>
-            </a:r>
-            <a:r>
-              <a:rPr lang="el-GR" b="1"/>
-              <a:t>0.7844</a:t>
-            </a:r>
-            <a:r>
-              <a:rPr lang="el-GR"/>
-              <a:t>, και αντίστοιχα το </a:t>
-            </a:r>
-            <a:r>
-              <a:rPr lang="el-GR" b="1"/>
-              <a:t>validation loss</a:t>
-            </a:r>
-            <a:r>
-              <a:rPr lang="el-GR"/>
-              <a:t> ήταν </a:t>
-            </a:r>
-            <a:r>
-              <a:rPr lang="el-GR" b="1"/>
-              <a:t>0.6120</a:t>
-            </a:r>
-            <a:r>
-              <a:rPr lang="el-GR"/>
-              <a:t>.</a:t>
-            </a:r>
-          </a:p>
-          <a:p>
-            <a:pPr>
-              <a:buNone/>
-            </a:pPr>
-            <a:r>
-              <a:rPr lang="el-GR"/>
-              <a:t>🔹 Η </a:t>
-            </a:r>
-            <a:r>
-              <a:rPr lang="el-GR" b="1"/>
-              <a:t>διάρκεια της εκπαίδευσης</a:t>
-            </a:r>
-            <a:r>
-              <a:rPr lang="el-GR"/>
-              <a:t> ήταν αρκετά μικρή, μόλις </a:t>
-            </a:r>
-            <a:r>
-              <a:rPr lang="el-GR" b="1"/>
-              <a:t>244 δευτερόλεπτα ή περίπου 4 λεπτά</a:t>
-            </a:r>
-            <a:r>
-              <a:rPr lang="el-GR"/>
-              <a:t>, γεγονός που κάνει το CNN01 ιδιαίτερα γρήγορο και ελαφρύ.</a:t>
-            </a:r>
-          </a:p>
-          <a:p>
-            <a:r>
-              <a:rPr lang="el-GR"/>
-              <a:t>👉 Στο διάγραμμα δεξιά βλέπουμε την εξέλιξη του loss και της accuracy. Παρατηρούμε ότι τόσο το </a:t>
-            </a:r>
-            <a:r>
-              <a:rPr lang="el-GR" b="1"/>
-              <a:t>train loss</a:t>
-            </a:r>
-            <a:r>
-              <a:rPr lang="el-GR"/>
-              <a:t> όσο και το </a:t>
-            </a:r>
-            <a:r>
-              <a:rPr lang="el-GR" b="1"/>
-              <a:t>val loss</a:t>
-            </a:r>
-            <a:r>
-              <a:rPr lang="el-GR"/>
-              <a:t> μειώνονται σταθερά, ενώ η </a:t>
-            </a:r>
-            <a:r>
-              <a:rPr lang="el-GR" b="1"/>
-              <a:t>train accuracy</a:t>
-            </a:r>
-            <a:r>
-              <a:rPr lang="el-GR"/>
-              <a:t> αυξάνεται με φυσιολογικό ρυθμό, χωρίς σημάδια overfitting. Το </a:t>
-            </a:r>
-            <a:r>
-              <a:rPr lang="el-GR" b="1"/>
-              <a:t>val accuracy</a:t>
-            </a:r>
-            <a:r>
-              <a:rPr lang="el-GR"/>
-              <a:t>, παρόλο που παρουσιάζει κάποιες διακυμάνσεις, διατηρείται σε υψηλά επίπεδα.</a:t>
+              <a:rPr lang="el-GR" sz="1200" kern="1200" dirty="0">
+                <a:solidFill>
+                  <a:schemeClr val="tx1"/>
+                </a:solidFill>
+                <a:effectLst/>
+                <a:latin typeface="+mn-lt"/>
+                <a:ea typeface="+mn-ea"/>
+                <a:cs typeface="+mn-cs"/>
+              </a:rPr>
+              <a:t>« Το καλύτερο </a:t>
+            </a:r>
+            <a:r>
+              <a:rPr lang="en-US" sz="1200" kern="1200" dirty="0">
+                <a:solidFill>
+                  <a:schemeClr val="tx1"/>
+                </a:solidFill>
+                <a:effectLst/>
+                <a:latin typeface="+mn-lt"/>
+                <a:ea typeface="+mn-ea"/>
+                <a:cs typeface="+mn-cs"/>
+              </a:rPr>
+              <a:t>run</a:t>
+            </a:r>
+            <a:r>
+              <a:rPr lang="el-GR" sz="1200" kern="1200" dirty="0">
+                <a:solidFill>
+                  <a:schemeClr val="tx1"/>
+                </a:solidFill>
+                <a:effectLst/>
+                <a:latin typeface="+mn-lt"/>
+                <a:ea typeface="+mn-ea"/>
+                <a:cs typeface="+mn-cs"/>
+              </a:rPr>
+              <a:t> του </a:t>
+            </a:r>
+            <a:r>
+              <a:rPr lang="en-US" sz="1200" kern="1200" dirty="0">
+                <a:solidFill>
+                  <a:schemeClr val="tx1"/>
+                </a:solidFill>
+                <a:effectLst/>
+                <a:latin typeface="+mn-lt"/>
+                <a:ea typeface="+mn-ea"/>
+                <a:cs typeface="+mn-cs"/>
+              </a:rPr>
+              <a:t>CNN</a:t>
+            </a:r>
+            <a:r>
+              <a:rPr lang="el-GR" sz="1200" kern="1200" dirty="0">
+                <a:solidFill>
+                  <a:schemeClr val="tx1"/>
+                </a:solidFill>
+                <a:effectLst/>
+                <a:latin typeface="+mn-lt"/>
+                <a:ea typeface="+mn-ea"/>
+                <a:cs typeface="+mn-cs"/>
+              </a:rPr>
+              <a:t>01 είχε </a:t>
+            </a:r>
+            <a:r>
+              <a:rPr lang="en-US" sz="1200" kern="1200" dirty="0" err="1">
+                <a:solidFill>
+                  <a:schemeClr val="tx1"/>
+                </a:solidFill>
+                <a:effectLst/>
+                <a:latin typeface="+mn-lt"/>
+                <a:ea typeface="+mn-ea"/>
+                <a:cs typeface="+mn-cs"/>
+              </a:rPr>
+              <a:t>val</a:t>
+            </a:r>
+            <a:r>
+              <a:rPr lang="en-US" sz="1200" kern="1200" dirty="0">
+                <a:solidFill>
+                  <a:schemeClr val="tx1"/>
+                </a:solidFill>
+                <a:effectLst/>
+                <a:latin typeface="+mn-lt"/>
+                <a:ea typeface="+mn-ea"/>
+                <a:cs typeface="+mn-cs"/>
+              </a:rPr>
+              <a:t> accuracy</a:t>
+            </a:r>
+            <a:r>
+              <a:rPr lang="el-GR" sz="1200" kern="1200" dirty="0">
+                <a:solidFill>
+                  <a:schemeClr val="tx1"/>
+                </a:solidFill>
+                <a:effectLst/>
+                <a:latin typeface="+mn-lt"/>
+                <a:ea typeface="+mn-ea"/>
+                <a:cs typeface="+mn-cs"/>
+              </a:rPr>
+              <a:t> 78.4%, ολοκληρώθηκε σε ~4 λεπτά και χρησιμοποίησε </a:t>
+            </a:r>
+            <a:r>
+              <a:rPr lang="en-US" sz="1200" kern="1200" dirty="0">
+                <a:solidFill>
+                  <a:schemeClr val="tx1"/>
+                </a:solidFill>
+                <a:effectLst/>
+                <a:latin typeface="+mn-lt"/>
+                <a:ea typeface="+mn-ea"/>
+                <a:cs typeface="+mn-cs"/>
+              </a:rPr>
+              <a:t>batch size</a:t>
+            </a:r>
+            <a:r>
+              <a:rPr lang="el-GR" sz="1200" kern="1200" dirty="0">
+                <a:solidFill>
+                  <a:schemeClr val="tx1"/>
+                </a:solidFill>
+                <a:effectLst/>
+                <a:latin typeface="+mn-lt"/>
+                <a:ea typeface="+mn-ea"/>
+                <a:cs typeface="+mn-cs"/>
+              </a:rPr>
+              <a:t> 64 και </a:t>
+            </a:r>
+            <a:r>
+              <a:rPr lang="en-US" sz="1200" kern="1200" dirty="0">
+                <a:solidFill>
+                  <a:schemeClr val="tx1"/>
+                </a:solidFill>
+                <a:effectLst/>
+                <a:latin typeface="+mn-lt"/>
+                <a:ea typeface="+mn-ea"/>
+                <a:cs typeface="+mn-cs"/>
+              </a:rPr>
+              <a:t>learning rate</a:t>
+            </a:r>
+            <a:r>
+              <a:rPr lang="el-GR" sz="1200" kern="1200" dirty="0">
+                <a:solidFill>
+                  <a:schemeClr val="tx1"/>
+                </a:solidFill>
+                <a:effectLst/>
+                <a:latin typeface="+mn-lt"/>
+                <a:ea typeface="+mn-ea"/>
+                <a:cs typeface="+mn-cs"/>
+              </a:rPr>
+              <a:t> 0.0003.»</a:t>
+            </a:r>
+          </a:p>
+          <a:p>
+            <a:r>
+              <a:rPr lang="el-GR" sz="1200" kern="1200" dirty="0">
+                <a:solidFill>
+                  <a:schemeClr val="tx1"/>
+                </a:solidFill>
+                <a:effectLst/>
+                <a:latin typeface="+mn-lt"/>
+                <a:ea typeface="+mn-ea"/>
+                <a:cs typeface="+mn-cs"/>
+              </a:rPr>
+              <a:t>Στο διάγραμμα δεξιά βλέπουμε ότι όσο περνούν οι εποχές (</a:t>
+            </a:r>
+            <a:r>
+              <a:rPr lang="el-GR" sz="1200" kern="1200" dirty="0" err="1">
+                <a:solidFill>
+                  <a:schemeClr val="tx1"/>
+                </a:solidFill>
+                <a:effectLst/>
+                <a:latin typeface="+mn-lt"/>
+                <a:ea typeface="+mn-ea"/>
+                <a:cs typeface="+mn-cs"/>
+              </a:rPr>
+              <a:t>epochs</a:t>
+            </a:r>
+            <a:r>
+              <a:rPr lang="el-GR" sz="1200" kern="1200" dirty="0">
+                <a:solidFill>
+                  <a:schemeClr val="tx1"/>
+                </a:solidFill>
+                <a:effectLst/>
+                <a:latin typeface="+mn-lt"/>
+                <a:ea typeface="+mn-ea"/>
+                <a:cs typeface="+mn-cs"/>
+              </a:rPr>
+              <a:t>), το </a:t>
+            </a:r>
+            <a:r>
+              <a:rPr lang="el-GR" sz="1200" kern="1200" dirty="0" err="1">
+                <a:solidFill>
+                  <a:schemeClr val="tx1"/>
+                </a:solidFill>
+                <a:effectLst/>
+                <a:latin typeface="+mn-lt"/>
+                <a:ea typeface="+mn-ea"/>
+                <a:cs typeface="+mn-cs"/>
+              </a:rPr>
+              <a:t>training</a:t>
+            </a:r>
+            <a:r>
+              <a:rPr lang="el-GR" sz="1200" kern="1200" dirty="0">
+                <a:solidFill>
+                  <a:schemeClr val="tx1"/>
+                </a:solidFill>
+                <a:effectLst/>
+                <a:latin typeface="+mn-lt"/>
+                <a:ea typeface="+mn-ea"/>
+                <a:cs typeface="+mn-cs"/>
+              </a:rPr>
+              <a:t> </a:t>
+            </a:r>
+            <a:r>
+              <a:rPr lang="el-GR" sz="1200" kern="1200" dirty="0" err="1">
+                <a:solidFill>
+                  <a:schemeClr val="tx1"/>
+                </a:solidFill>
+                <a:effectLst/>
+                <a:latin typeface="+mn-lt"/>
+                <a:ea typeface="+mn-ea"/>
+                <a:cs typeface="+mn-cs"/>
+              </a:rPr>
+              <a:t>loss</a:t>
+            </a:r>
+            <a:r>
+              <a:rPr lang="el-GR" sz="1200" kern="1200" dirty="0">
+                <a:solidFill>
+                  <a:schemeClr val="tx1"/>
+                </a:solidFill>
+                <a:effectLst/>
+                <a:latin typeface="+mn-lt"/>
+                <a:ea typeface="+mn-ea"/>
+                <a:cs typeface="+mn-cs"/>
+              </a:rPr>
+              <a:t> μειώνεται σταθερά, και η ακρίβεια (</a:t>
+            </a:r>
+            <a:r>
+              <a:rPr lang="el-GR" sz="1200" kern="1200" dirty="0" err="1">
+                <a:solidFill>
+                  <a:schemeClr val="tx1"/>
+                </a:solidFill>
+                <a:effectLst/>
+                <a:latin typeface="+mn-lt"/>
+                <a:ea typeface="+mn-ea"/>
+                <a:cs typeface="+mn-cs"/>
+              </a:rPr>
+              <a:t>accuracy</a:t>
+            </a:r>
+            <a:r>
+              <a:rPr lang="el-GR" sz="1200" kern="1200" dirty="0">
+                <a:solidFill>
+                  <a:schemeClr val="tx1"/>
+                </a:solidFill>
+                <a:effectLst/>
+                <a:latin typeface="+mn-lt"/>
+                <a:ea typeface="+mn-ea"/>
+                <a:cs typeface="+mn-cs"/>
+              </a:rPr>
+              <a:t>) βελτιώνεται, ενώ και το </a:t>
+            </a:r>
+            <a:r>
+              <a:rPr lang="el-GR" sz="1200" kern="1200" dirty="0" err="1">
+                <a:solidFill>
+                  <a:schemeClr val="tx1"/>
+                </a:solidFill>
+                <a:effectLst/>
+                <a:latin typeface="+mn-lt"/>
+                <a:ea typeface="+mn-ea"/>
+                <a:cs typeface="+mn-cs"/>
+              </a:rPr>
+              <a:t>validation</a:t>
+            </a:r>
+            <a:r>
+              <a:rPr lang="el-GR" sz="1200" kern="1200" dirty="0">
+                <a:solidFill>
+                  <a:schemeClr val="tx1"/>
+                </a:solidFill>
+                <a:effectLst/>
+                <a:latin typeface="+mn-lt"/>
+                <a:ea typeface="+mn-ea"/>
+                <a:cs typeface="+mn-cs"/>
+              </a:rPr>
+              <a:t> </a:t>
+            </a:r>
+            <a:r>
+              <a:rPr lang="el-GR" sz="1200" kern="1200" dirty="0" err="1">
+                <a:solidFill>
+                  <a:schemeClr val="tx1"/>
+                </a:solidFill>
+                <a:effectLst/>
+                <a:latin typeface="+mn-lt"/>
+                <a:ea typeface="+mn-ea"/>
+                <a:cs typeface="+mn-cs"/>
+              </a:rPr>
+              <a:t>loss</a:t>
+            </a:r>
+            <a:r>
+              <a:rPr lang="el-GR" sz="1200" kern="1200" dirty="0">
+                <a:solidFill>
+                  <a:schemeClr val="tx1"/>
+                </a:solidFill>
+                <a:effectLst/>
+                <a:latin typeface="+mn-lt"/>
+                <a:ea typeface="+mn-ea"/>
+                <a:cs typeface="+mn-cs"/>
+              </a:rPr>
+              <a:t> παρουσιάζει φθίνουσα πορεία, δείχνοντας ικανοποιητική γενίκευση.»</a:t>
             </a:r>
           </a:p>
           <a:p>
@@ -2313,77 +3567,6 @@
         <p:txBody>
           <a:bodyPr/>
           <a:lstStyle/>
-          <a:p>
-            <a:r>
-              <a:rPr lang="el-GR" b="1" dirty="0"/>
-              <a:t>Το CNN02 είναι η δεύτερη </a:t>
-            </a:r>
-            <a:r>
-              <a:rPr lang="el-GR" b="1" dirty="0" err="1"/>
-              <a:t>custom</a:t>
-            </a:r>
-            <a:r>
-              <a:rPr lang="el-GR" b="1" dirty="0"/>
-              <a:t> αρχιτεκτονική μας, πιο βαθιά και πιο ισχυρή από το CNN01.</a:t>
-            </a:r>
-            <a:br>
-              <a:rPr lang="el-GR" dirty="0"/>
-            </a:br>
-            <a:r>
-              <a:rPr lang="el-GR" dirty="0"/>
-              <a:t>Διαθέτει 3 </a:t>
-            </a:r>
-            <a:r>
-              <a:rPr lang="el-GR" dirty="0" err="1"/>
-              <a:t>convolutional</a:t>
-            </a:r>
-            <a:r>
-              <a:rPr lang="el-GR" dirty="0"/>
-              <a:t> </a:t>
-            </a:r>
-            <a:r>
-              <a:rPr lang="el-GR" dirty="0" err="1"/>
-              <a:t>blocks</a:t>
-            </a:r>
-            <a:r>
-              <a:rPr lang="el-GR" dirty="0"/>
-              <a:t> με περισσότερα φίλτρα (32 → 64 → 128), και ένα πιο δυνατό </a:t>
-            </a:r>
-            <a:r>
-              <a:rPr lang="el-GR" dirty="0" err="1"/>
-              <a:t>classifier</a:t>
-            </a:r>
-            <a:r>
-              <a:rPr lang="el-GR" dirty="0"/>
-              <a:t> με </a:t>
-            </a:r>
-            <a:r>
-              <a:rPr lang="el-GR" dirty="0" err="1"/>
-              <a:t>dropout</a:t>
-            </a:r>
-            <a:r>
-              <a:rPr lang="el-GR" dirty="0"/>
-              <a:t> 0.5, ώστε να περιορίσει την </a:t>
-            </a:r>
-            <a:r>
-              <a:rPr lang="el-GR" dirty="0" err="1"/>
-              <a:t>υπερπροσαρμογή</a:t>
-            </a:r>
-            <a:r>
-              <a:rPr lang="el-GR" dirty="0"/>
-              <a:t>.</a:t>
-            </a:r>
-          </a:p>
-          <a:p>
-            <a:r>
-              <a:rPr lang="el-GR" b="1" dirty="0"/>
-              <a:t>Στόχος ήταν η αυξημένη αναπαραστατική ικανότητα</a:t>
-            </a:r>
-            <a:r>
-              <a:rPr lang="el-GR" dirty="0"/>
-              <a:t> ώστε να συλλάβει πιο σύνθετα μοτίβα στα δεδομένα.</a:t>
-            </a:r>
-          </a:p>
           <a:p>
             <a:endParaRPr lang="el-GR" dirty="0"/>
           </a:p>
@@ -2488,181 +3671,307 @@
           <a:lstStyle/>
           <a:p>
             <a:r>
-              <a:rPr lang="el-GR" dirty="0"/>
-              <a:t>Στο </a:t>
-            </a:r>
-            <a:r>
-              <a:rPr lang="el-GR" b="1" dirty="0"/>
-              <a:t>κορυφαίο </a:t>
-            </a:r>
-            <a:r>
-              <a:rPr lang="el-GR" b="1" dirty="0" err="1"/>
-              <a:t>run</a:t>
-            </a:r>
-            <a:r>
-              <a:rPr lang="el-GR" dirty="0"/>
-              <a:t>, χρησιμοποιήθηκε </a:t>
-            </a:r>
-            <a:r>
-              <a:rPr lang="el-GR" dirty="0" err="1"/>
-              <a:t>batch</a:t>
-            </a:r>
-            <a:r>
-              <a:rPr lang="el-GR" dirty="0"/>
+              <a:rPr lang="el-GR" sz="1200" kern="1200" dirty="0">
+                <a:solidFill>
+                  <a:schemeClr val="tx1"/>
+                </a:solidFill>
+                <a:effectLst/>
+                <a:latin typeface="+mn-lt"/>
+                <a:ea typeface="+mn-ea"/>
+                <a:cs typeface="+mn-cs"/>
+              </a:rPr>
+              <a:t>«Το CNN02 Στο καλύτερο </a:t>
+            </a:r>
+            <a:r>
+              <a:rPr lang="en-US" sz="1200" kern="1200" dirty="0">
+                <a:solidFill>
+                  <a:schemeClr val="tx1"/>
+                </a:solidFill>
+                <a:effectLst/>
+                <a:latin typeface="+mn-lt"/>
+                <a:ea typeface="+mn-ea"/>
+                <a:cs typeface="+mn-cs"/>
+              </a:rPr>
+              <a:t>run </a:t>
+            </a:r>
+            <a:r>
+              <a:rPr lang="el-GR" sz="1200" kern="1200" dirty="0">
+                <a:solidFill>
+                  <a:schemeClr val="tx1"/>
+                </a:solidFill>
+                <a:effectLst/>
+                <a:latin typeface="+mn-lt"/>
+                <a:ea typeface="+mn-ea"/>
+                <a:cs typeface="+mn-cs"/>
+              </a:rPr>
+              <a:t>πέτυχε 79.4% </a:t>
+            </a:r>
+            <a:r>
+              <a:rPr lang="en-US" sz="1200" kern="1200" dirty="0" err="1">
+                <a:solidFill>
+                  <a:schemeClr val="tx1"/>
+                </a:solidFill>
+                <a:effectLst/>
+                <a:latin typeface="+mn-lt"/>
+                <a:ea typeface="+mn-ea"/>
+                <a:cs typeface="+mn-cs"/>
+              </a:rPr>
+              <a:t>val</a:t>
+            </a:r>
+            <a:r>
+              <a:rPr lang="en-US" sz="1200" kern="1200" dirty="0">
+                <a:solidFill>
+                  <a:schemeClr val="tx1"/>
+                </a:solidFill>
+                <a:effectLst/>
+                <a:latin typeface="+mn-lt"/>
+                <a:ea typeface="+mn-ea"/>
+                <a:cs typeface="+mn-cs"/>
+              </a:rPr>
+              <a:t> accuracy </a:t>
+            </a:r>
+            <a:r>
+              <a:rPr lang="el-GR" sz="1200" kern="1200" dirty="0">
+                <a:solidFill>
+                  <a:schemeClr val="tx1"/>
+                </a:solidFill>
+                <a:effectLst/>
+                <a:latin typeface="+mn-lt"/>
+                <a:ea typeface="+mn-ea"/>
+                <a:cs typeface="+mn-cs"/>
+              </a:rPr>
+              <a:t>με </a:t>
+            </a:r>
+            <a:r>
+              <a:rPr lang="en-US" sz="1200" kern="1200" dirty="0">
+                <a:solidFill>
+                  <a:schemeClr val="tx1"/>
+                </a:solidFill>
+                <a:effectLst/>
+                <a:latin typeface="+mn-lt"/>
+                <a:ea typeface="+mn-ea"/>
+                <a:cs typeface="+mn-cs"/>
+              </a:rPr>
+              <a:t>batch size</a:t>
+            </a:r>
+            <a:r>
+              <a:rPr lang="el-GR" sz="1200" kern="1200" dirty="0">
+                <a:solidFill>
+                  <a:schemeClr val="tx1"/>
+                </a:solidFill>
+                <a:effectLst/>
+                <a:latin typeface="+mn-lt"/>
+                <a:ea typeface="+mn-ea"/>
+                <a:cs typeface="+mn-cs"/>
+              </a:rPr>
+              <a:t> 32 και </a:t>
+            </a:r>
+            <a:r>
+              <a:rPr lang="en-US" sz="1200" kern="1200" dirty="0">
+                <a:solidFill>
+                  <a:schemeClr val="tx1"/>
+                </a:solidFill>
+                <a:effectLst/>
+                <a:latin typeface="+mn-lt"/>
+                <a:ea typeface="+mn-ea"/>
+                <a:cs typeface="+mn-cs"/>
+              </a:rPr>
+              <a:t>learning rate</a:t>
+            </a:r>
+            <a:r>
+              <a:rPr lang="el-GR" sz="1200" kern="1200" dirty="0">
+                <a:solidFill>
+                  <a:schemeClr val="tx1"/>
+                </a:solidFill>
+                <a:effectLst/>
+                <a:latin typeface="+mn-lt"/>
+                <a:ea typeface="+mn-ea"/>
+                <a:cs typeface="+mn-cs"/>
+              </a:rPr>
+              <a:t> 0.0001. Η εκπαίδευση κράτησε ~16 λεπτά.»</a:t>
+            </a:r>
+          </a:p>
+          <a:p>
+            <a:r>
+              <a:rPr lang="el-GR" sz="1200" kern="1200" dirty="0">
+                <a:solidFill>
+                  <a:schemeClr val="tx1"/>
+                </a:solidFill>
+                <a:effectLst/>
+                <a:latin typeface="+mn-lt"/>
+                <a:ea typeface="+mn-ea"/>
+                <a:cs typeface="+mn-cs"/>
+              </a:rPr>
+              <a:t>Στο διάγραμμα βλέπουμε ότι τόσο το </a:t>
+            </a:r>
+            <a:r>
+              <a:rPr lang="el-GR" sz="1200" kern="1200" dirty="0" err="1">
+                <a:solidFill>
+                  <a:schemeClr val="tx1"/>
+                </a:solidFill>
+                <a:effectLst/>
+                <a:latin typeface="+mn-lt"/>
+                <a:ea typeface="+mn-ea"/>
+                <a:cs typeface="+mn-cs"/>
+              </a:rPr>
+              <a:t>training</a:t>
+            </a:r>
+            <a:r>
+              <a:rPr lang="el-GR" sz="1200" kern="1200" dirty="0">
+                <a:solidFill>
+                  <a:schemeClr val="tx1"/>
+                </a:solidFill>
+                <a:effectLst/>
+                <a:latin typeface="+mn-lt"/>
+                <a:ea typeface="+mn-ea"/>
+                <a:cs typeface="+mn-cs"/>
+              </a:rPr>
+              <a:t> όσο και το </a:t>
+            </a:r>
+            <a:r>
+              <a:rPr lang="el-GR" sz="1200" kern="1200" dirty="0" err="1">
+                <a:solidFill>
+                  <a:schemeClr val="tx1"/>
+                </a:solidFill>
+                <a:effectLst/>
+                <a:latin typeface="+mn-lt"/>
+                <a:ea typeface="+mn-ea"/>
+                <a:cs typeface="+mn-cs"/>
+              </a:rPr>
+              <a:t>validation</a:t>
+            </a:r>
+            <a:r>
+              <a:rPr lang="el-GR" sz="1200" kern="1200" dirty="0">
+                <a:solidFill>
+                  <a:schemeClr val="tx1"/>
+                </a:solidFill>
+                <a:effectLst/>
+                <a:latin typeface="+mn-lt"/>
+                <a:ea typeface="+mn-ea"/>
+                <a:cs typeface="+mn-cs"/>
+              </a:rPr>
               <a:t> </a:t>
             </a:r>
             <a:r>
-              <a:rPr lang="el-GR" dirty="0" err="1"/>
-              <a:t>size</a:t>
-            </a:r>
-            <a:r>
-              <a:rPr lang="el-GR" dirty="0"/>
-              <a:t> 32, </a:t>
-            </a:r>
-            <a:r>
-              <a:rPr lang="el-GR" dirty="0" err="1"/>
-              <a:t>learning</a:t>
-            </a:r>
-            <a:r>
-              <a:rPr lang="el-GR" dirty="0"/>
+              <a:rPr lang="el-GR" sz="1200" kern="1200" dirty="0" err="1">
+                <a:solidFill>
+                  <a:schemeClr val="tx1"/>
+                </a:solidFill>
+                <a:effectLst/>
+                <a:latin typeface="+mn-lt"/>
+                <a:ea typeface="+mn-ea"/>
+                <a:cs typeface="+mn-cs"/>
+              </a:rPr>
+              <a:t>loss</a:t>
+            </a:r>
+            <a:r>
+              <a:rPr lang="el-GR" sz="1200" kern="1200" dirty="0">
+                <a:solidFill>
+                  <a:schemeClr val="tx1"/>
+                </a:solidFill>
+                <a:effectLst/>
+                <a:latin typeface="+mn-lt"/>
+                <a:ea typeface="+mn-ea"/>
+                <a:cs typeface="+mn-cs"/>
+              </a:rPr>
+              <a:t> μειώνονται, ενώ η </a:t>
+            </a:r>
+            <a:r>
+              <a:rPr lang="el-GR" sz="1200" kern="1200" dirty="0" err="1">
+                <a:solidFill>
+                  <a:schemeClr val="tx1"/>
+                </a:solidFill>
+                <a:effectLst/>
+                <a:latin typeface="+mn-lt"/>
+                <a:ea typeface="+mn-ea"/>
+                <a:cs typeface="+mn-cs"/>
+              </a:rPr>
+              <a:t>accuracy</a:t>
+            </a:r>
+            <a:r>
+              <a:rPr lang="el-GR" sz="1200" kern="1200" dirty="0">
+                <a:solidFill>
+                  <a:schemeClr val="tx1"/>
+                </a:solidFill>
+                <a:effectLst/>
+                <a:latin typeface="+mn-lt"/>
+                <a:ea typeface="+mn-ea"/>
+                <a:cs typeface="+mn-cs"/>
+              </a:rPr>
+              <a:t> αυξάνεται σταθερά. Η πιο αργή πτώση του </a:t>
+            </a:r>
+            <a:r>
+              <a:rPr lang="el-GR" sz="1200" kern="1200" dirty="0" err="1">
+                <a:solidFill>
+                  <a:schemeClr val="tx1"/>
+                </a:solidFill>
+                <a:effectLst/>
+                <a:latin typeface="+mn-lt"/>
+                <a:ea typeface="+mn-ea"/>
+                <a:cs typeface="+mn-cs"/>
+              </a:rPr>
+              <a:t>val</a:t>
+            </a:r>
+            <a:r>
+              <a:rPr lang="el-GR" sz="1200" kern="1200" dirty="0">
+                <a:solidFill>
+                  <a:schemeClr val="tx1"/>
+                </a:solidFill>
+                <a:effectLst/>
+                <a:latin typeface="+mn-lt"/>
+                <a:ea typeface="+mn-ea"/>
+                <a:cs typeface="+mn-cs"/>
+              </a:rPr>
               <a:t> </a:t>
             </a:r>
             <a:r>
-              <a:rPr lang="el-GR" dirty="0" err="1"/>
-              <a:t>rate</a:t>
-            </a:r>
-            <a:r>
-              <a:rPr lang="el-GR" dirty="0"/>
-              <a:t> 0.0001 και 9 εποχές.</a:t>
-            </a:r>
-            <a:br>
-              <a:rPr lang="el-GR" dirty="0"/>
-            </a:br>
-            <a:r>
-              <a:rPr lang="el-GR" dirty="0"/>
-              <a:t>Το μοντέλο έφτασε </a:t>
-            </a:r>
-            <a:r>
-              <a:rPr lang="el-GR" dirty="0" err="1"/>
-              <a:t>val</a:t>
-            </a:r>
-            <a:r>
-              <a:rPr lang="el-GR" dirty="0"/>
-              <a:t> </a:t>
-            </a:r>
-            <a:r>
-              <a:rPr lang="el-GR" dirty="0" err="1"/>
-              <a:t>accuracy</a:t>
-            </a:r>
-            <a:r>
-              <a:rPr lang="el-GR" dirty="0"/>
-              <a:t> </a:t>
-            </a:r>
-            <a:r>
-              <a:rPr lang="el-GR" b="1" dirty="0"/>
-              <a:t>79.4%</a:t>
-            </a:r>
-            <a:r>
-              <a:rPr lang="el-GR" dirty="0"/>
-              <a:t> και </a:t>
-            </a:r>
-            <a:r>
-              <a:rPr lang="el-GR" dirty="0" err="1"/>
-              <a:t>val</a:t>
-            </a:r>
-            <a:r>
-              <a:rPr lang="el-GR" dirty="0"/>
-              <a:t> </a:t>
-            </a:r>
-            <a:r>
-              <a:rPr lang="el-GR" dirty="0" err="1"/>
+              <a:rPr lang="el-GR" sz="1200" kern="1200" dirty="0" err="1">
+                <a:solidFill>
+                  <a:schemeClr val="tx1"/>
+                </a:solidFill>
+                <a:effectLst/>
+                <a:latin typeface="+mn-lt"/>
+                <a:ea typeface="+mn-ea"/>
+                <a:cs typeface="+mn-cs"/>
+              </a:rPr>
               <a:t>loss</a:t>
             </a:r>
             <a:r>
-              <a:rPr lang="el-GR" dirty="0"/>
-              <a:t> </a:t>
-            </a:r>
-            <a:r>
-              <a:rPr lang="el-GR" b="1" dirty="0"/>
-              <a:t>0.5949</a:t>
-            </a:r>
-            <a:r>
-              <a:rPr lang="el-GR" dirty="0"/>
-              <a:t>, με εκπαίδευση περίπου </a:t>
-            </a:r>
-            <a:r>
-              <a:rPr lang="el-GR" b="1" dirty="0"/>
-              <a:t>16 λεπτών</a:t>
-            </a:r>
-            <a:r>
-              <a:rPr lang="el-GR" dirty="0"/>
-              <a:t>.</a:t>
-            </a:r>
-          </a:p>
-          <a:p>
-            <a:r>
-              <a:rPr lang="el-GR" dirty="0"/>
-              <a:t>Όπως φαίνεται και στο διάγραμμα, το </a:t>
-            </a:r>
-            <a:r>
-              <a:rPr lang="el-GR" dirty="0" err="1"/>
-              <a:t>training</a:t>
-            </a:r>
-            <a:r>
-              <a:rPr lang="el-GR" dirty="0"/>
-              <a:t> </a:t>
-            </a:r>
-            <a:r>
-              <a:rPr lang="el-GR" dirty="0" err="1"/>
-              <a:t>loss</a:t>
-            </a:r>
-            <a:r>
-              <a:rPr lang="el-GR" dirty="0"/>
-              <a:t> μειώνεται σταθερά, ενώ και το </a:t>
-            </a:r>
-            <a:r>
-              <a:rPr lang="el-GR" dirty="0" err="1"/>
-              <a:t>validation</a:t>
-            </a:r>
-            <a:r>
-              <a:rPr lang="el-GR" dirty="0"/>
-              <a:t> </a:t>
-            </a:r>
-            <a:r>
-              <a:rPr lang="el-GR" dirty="0" err="1"/>
-              <a:t>accuracy</a:t>
-            </a:r>
-            <a:r>
-              <a:rPr lang="el-GR" dirty="0"/>
-              <a:t> διατηρείται σε υψηλό επίπεδο, χωρίς ενδείξεις </a:t>
-            </a:r>
-            <a:r>
-              <a:rPr lang="el-GR" dirty="0" err="1"/>
-              <a:t>υπερεκπαίδευσης</a:t>
-            </a:r>
-            <a:r>
-              <a:rPr lang="el-GR" dirty="0"/>
-              <a:t>.</a:t>
-            </a:r>
-          </a:p>
-          <a:p>
-            <a:r>
-              <a:rPr lang="el-GR" dirty="0"/>
-              <a:t>Συνολικά, το CNN02 παρουσίασε τη </a:t>
-            </a:r>
-            <a:r>
-              <a:rPr lang="el-GR" b="1" dirty="0"/>
-              <a:t>καλύτερη απόδοση απ’ όλα τα </a:t>
-            </a:r>
-            <a:r>
-              <a:rPr lang="el-GR" b="1" dirty="0" err="1"/>
-              <a:t>custom</a:t>
-            </a:r>
-            <a:r>
-              <a:rPr lang="el-GR" b="1" dirty="0"/>
-              <a:t> μοντέλα μας.</a:t>
-            </a:r>
-            <a:endParaRPr lang="el-GR" dirty="0"/>
+              <a:rPr lang="el-GR" sz="1200" kern="1200" dirty="0">
+                <a:solidFill>
+                  <a:schemeClr val="tx1"/>
+                </a:solidFill>
+                <a:effectLst/>
+                <a:latin typeface="+mn-lt"/>
+                <a:ea typeface="+mn-ea"/>
+                <a:cs typeface="+mn-cs"/>
+              </a:rPr>
+              <a:t> δείχνει ότι χρειάστηκε περισσότερη προσπάθεια για να γενικεύσει, αλλά δεν εμφάνισε </a:t>
+            </a:r>
+            <a:r>
+              <a:rPr lang="el-GR" sz="1200" kern="1200" dirty="0" err="1">
+                <a:solidFill>
+                  <a:schemeClr val="tx1"/>
+                </a:solidFill>
+                <a:effectLst/>
+                <a:latin typeface="+mn-lt"/>
+                <a:ea typeface="+mn-ea"/>
+                <a:cs typeface="+mn-cs"/>
+              </a:rPr>
+              <a:t>overfitting</a:t>
+            </a:r>
+            <a:r>
+              <a:rPr lang="el-GR" sz="1200" kern="1200" dirty="0">
+                <a:solidFill>
+                  <a:schemeClr val="tx1"/>
+                </a:solidFill>
+                <a:effectLst/>
+                <a:latin typeface="+mn-lt"/>
+                <a:ea typeface="+mn-ea"/>
+                <a:cs typeface="+mn-cs"/>
+              </a:rPr>
+              <a:t>.»</a:t>
+            </a:r>
           </a:p>
           <a:p>
             <a:endParaRPr lang="el-GR" dirty="0"/>
@@ -2874,7 +4183,7 @@
           <a:p>
             <a:fld id="{5BCAD085-E8A6-8845-BD4E-CB4CCA059FC4}" type="datetimeFigureOut">
               <a:rPr lang="en-US" smtClean="0"/>
-              <a:t>7/2/2025</a:t>
+              <a:t>7/3/2025</a:t>
             </a:fld>
             <a:endParaRPr lang="en-US"/>
           </a:p>
@@ -3044,7 +4353,7 @@
           <a:p>
             <a:fld id="{5BCAD085-E8A6-8845-BD4E-CB4CCA059FC4}" type="datetimeFigureOut">
               <a:rPr lang="en-US" smtClean="0"/>
-              <a:t>7/2/2025</a:t>
+              <a:t>7/3/2025</a:t>
             </a:fld>
             <a:endParaRPr lang="en-US"/>
           </a:p>
@@ -3224,7 +4533,7 @@
           <a:p>
             <a:fld id="{5BCAD085-E8A6-8845-BD4E-CB4CCA059FC4}" type="datetimeFigureOut">
               <a:rPr lang="en-US" smtClean="0"/>
-              <a:t>7/2/2025</a:t>
+              <a:t>7/3/2025</a:t>
             </a:fld>
             <a:endParaRPr lang="en-US"/>
           </a:p>
@@ -3394,7 +4703,7 @@
           <a:p>
             <a:fld id="{5BCAD085-E8A6-8845-BD4E-CB4CCA059FC4}" type="datetimeFigureOut">
               <a:rPr lang="en-US" smtClean="0"/>
-              <a:t>7/2/2025</a:t>
+              <a:t>7/3/2025</a:t>
             </a:fld>
             <a:endParaRPr lang="en-US"/>
           </a:p>
@@ -3662,7 +4971,7 @@
           <a:p>
             <a:fld id="{5BCAD085-E8A6-8845-BD4E-CB4CCA059FC4}" type="datetimeFigureOut">
               <a:rPr lang="en-US" smtClean="0"/>
-              <a:t>7/2/2025</a:t>
+              <a:t>7/3/2025</a:t>
             </a:fld>
             <a:endParaRPr lang="en-US"/>
           </a:p>
@@ -3894,7 +5203,7 @@
           <a:p>
             <a:fld id="{5BCAD085-E8A6-8845-BD4E-CB4CCA059FC4}" type="datetimeFigureOut">
               <a:rPr lang="en-US" smtClean="0"/>
-              <a:t>7/2/2025</a:t>
+              <a:t>7/3/2025</a:t>
             </a:fld>
             <a:endParaRPr lang="en-US"/>
           </a:p>
@@ -4253,7 +5562,7 @@
           <a:p>
             <a:fld id="{5BCAD085-E8A6-8845-BD4E-CB4CCA059FC4}" type="datetimeFigureOut">
               <a:rPr lang="en-US" smtClean="0"/>
-              <a:t>7/2/2025</a:t>
+              <a:t>7/3/2025</a:t>
             </a:fld>
             <a:endParaRPr lang="en-US"/>
           </a:p>
@@ -4394,7 +5703,7 @@
           <a:p>
             <a:fld id="{5BCAD085-E8A6-8845-BD4E-CB4CCA059FC4}" type="datetimeFigureOut">
               <a:rPr lang="en-US" smtClean="0"/>
-              <a:t>7/2/2025</a:t>
+              <a:t>7/3/2025</a:t>
             </a:fld>
             <a:endParaRPr lang="en-US"/>
           </a:p>
@@ -4489,7 +5798,7 @@
           <a:p>
             <a:fld id="{5BCAD085-E8A6-8845-BD4E-CB4CCA059FC4}" type="datetimeFigureOut">
               <a:rPr lang="en-US" smtClean="0"/>
-              <a:t>7/2/2025</a:t>
+              <a:t>7/3/2025</a:t>
             </a:fld>
             <a:endParaRPr lang="en-US"/>
           </a:p>
@@ -4846,7 +6155,7 @@
           <a:p>
             <a:fld id="{5BCAD085-E8A6-8845-BD4E-CB4CCA059FC4}" type="datetimeFigureOut">
               <a:rPr lang="en-US" smtClean="0"/>
-              <a:t>7/2/2025</a:t>
+              <a:t>7/3/2025</a:t>
             </a:fld>
             <a:endParaRPr lang="en-US"/>
           </a:p>
@@ -5205,7 +6514,7 @@
           <a:p>
             <a:fld id="{5BCAD085-E8A6-8845-BD4E-CB4CCA059FC4}" type="datetimeFigureOut">
               <a:rPr lang="en-US" smtClean="0"/>
-              <a:t>7/2/2025</a:t>
+              <a:t>7/3/2025</a:t>
             </a:fld>
             <a:endParaRPr lang="en-US"/>
           </a:p>
@@ -5449,7 +6758,7 @@
           <a:p>
             <a:fld id="{5BCAD085-E8A6-8845-BD4E-CB4CCA059FC4}" type="datetimeFigureOut">
               <a:rPr lang="en-US" smtClean="0"/>
-              <a:t>7/2/2025</a:t>
+              <a:t>7/3/2025</a:t>
             </a:fld>
             <a:endParaRPr lang="en-US"/>
           </a:p>
@@ -8277,7 +9586,7 @@
           <p:nvPr/>
         </p:nvPicPr>
         <p:blipFill>
-          <a:blip r:embed="rId2"/>
+          <a:blip r:embed="rId3"/>
           <a:stretch>
             <a:fillRect/>
           </a:stretch>
@@ -9281,7 +10590,7 @@
           </p:nvPr>
         </p:nvPicPr>
         <p:blipFill>
-          <a:blip r:embed="rId2"/>
+          <a:blip r:embed="rId3"/>
           <a:stretch>
             <a:fillRect/>
           </a:stretch>
@@ -9513,7 +10822,7 @@
           </p:nvPr>
         </p:nvPicPr>
         <p:blipFill>
-          <a:blip r:embed="rId2"/>
+          <a:blip r:embed="rId3"/>
           <a:stretch>
             <a:fillRect/>
           </a:stretch>
@@ -9990,7 +11299,7 @@
             <p:nvPr/>
           </p:nvPicPr>
           <p:blipFill>
-            <a:blip r:embed="rId2"/>
+            <a:blip r:embed="rId3"/>
             <a:stretch>
               <a:fillRect/>
             </a:stretch>
@@ -11126,8 +12435,8 @@
         </p:nvSpPr>
         <p:spPr>
           <a:xfrm>
-            <a:off x="528622" y="1313437"/>
-            <a:ext cx="6204688" cy="5447645"/>
+            <a:off x="528622" y="1415047"/>
+            <a:ext cx="6204688" cy="5201424"/>
           </a:xfrm>
           <a:prstGeom prst="rect">
             <a:avLst/>
@@ -11412,8 +12721,18 @@
             </a:pPr>
             <a:r>
               <a:rPr lang="el-GR" sz="1600" dirty="0"/>
-              <a:t>Το μέγεθος των εικόνων εξαρτάται </a:t>
-            </a:r>
+              <a:t>Το μέγεθος των εικόνων </a:t>
+            </a:r>
+            <a:r>
+              <a:rPr lang="en-US" sz="1600" dirty="0"/>
+              <a:t>:</a:t>
+            </a:r>
+          </a:p>
+          <a:p>
+            <a:pPr marL="742950" lvl="1" indent="-285750" algn="just">
+              <a:buFont typeface="Wingdings" panose="05000000000000000000" pitchFamily="2" charset="2"/>
+              <a:buChar char="§"/>
+            </a:pPr>
             <a:r>
               <a:rPr lang="el-GR" sz="1600" dirty="0">
                 <a:effectLst>
@@ -11424,11 +12743,11 @@
                   </a:outerShdw>
                 </a:effectLst>
               </a:rPr>
-              <a:t>α</a:t>
+              <a:t>128×128</a:t>
             </a:r>
             <a:r>
               <a:rPr lang="el-GR" sz="1600" dirty="0"/>
-              <a:t>πό το μοντέλο:</a:t>
+              <a:t> για CNN01 και CNN02.</a:t>
             </a:r>
           </a:p>
           <a:p>
@@ -11446,28 +12765,6 @@
                   </a:outerShdw>
                 </a:effectLst>
               </a:rPr>
-              <a:t>128×128</a:t>
-            </a:r>
-            <a:r>
-              <a:rPr lang="el-GR" sz="1600" dirty="0"/>
-              <a:t> για CNN01 και CNN02.</a:t>
-            </a:r>
-          </a:p>
-          <a:p>
-            <a:pPr marL="742950" lvl="1" indent="-285750" algn="just">
-              <a:buFont typeface="Wingdings" panose="05000000000000000000" pitchFamily="2" charset="2"/>
-              <a:buChar char="§"/>
-            </a:pPr>
-            <a:r>
-              <a:rPr lang="el-GR" sz="1600" dirty="0">
-                <a:effectLst>
-                  <a:outerShdw blurRad="38100" dist="38100" dir="2700000" algn="tl">
-                    <a:srgbClr val="000000">
-                      <a:alpha val="43137"/>
-                    </a:srgbClr>
-                  </a:outerShdw>
-                </a:effectLst>
-              </a:rPr>
               <a:t>224×224</a:t>
             </a:r>
             <a:r>
@@ -11476,29 +12773,15 @@
             </a:r>
             <a:r>
               <a:rPr lang="el-GR" sz="1600" dirty="0" err="1"/>
-              <a:t>ResNetTransfer</a:t>
+              <a:t>ResNet</a:t>
+            </a:r>
+            <a:r>
+              <a:rPr lang="en-US" sz="1600" dirty="0"/>
+              <a:t>18</a:t>
             </a:r>
             <a:r>
               <a:rPr lang="el-GR" sz="1600" dirty="0"/>
               <a:t>.</a:t>
-            </a:r>
-          </a:p>
-          <a:p>
-            <a:pPr marL="285750" indent="-285750" algn="just">
-              <a:buFont typeface="Arial" panose="020B0604020202020204" pitchFamily="34" charset="0"/>
-              <a:buChar char="•"/>
-            </a:pPr>
-            <a:r>
-              <a:rPr lang="el-GR" sz="1600" dirty="0"/>
-              <a:t>Χρησιμοποιήθηκαν βασικοί </a:t>
-            </a:r>
-            <a:r>
-              <a:rPr lang="el-GR" sz="1600" dirty="0" err="1"/>
-              <a:t>PyTorch</a:t>
-            </a:r>
-            <a:r>
-              <a:rPr lang="el-GR" sz="1600" dirty="0"/>
-              <a:t> μετασχηματισμοί:</a:t>
             </a:r>
           </a:p>
           <a:p>
@@ -12249,7 +13532,7 @@
             </a:r>
             <a:r>
               <a:rPr lang="el-GR" dirty="0"/>
-              <a:t>: 0.001, 0.0001, 0.0003, 0.0005, 0.00007.</a:t>
+              <a:t>: 0.00007, 0.0001, 0.0003, 0.0005, 0.001. </a:t>
             </a:r>
           </a:p>
           <a:p>
@@ -13145,7 +14428,7 @@
         <p:spPr>
           <a:xfrm>
             <a:off x="322729" y="2047227"/>
-            <a:ext cx="8487784" cy="3939540"/>
+            <a:ext cx="8487784" cy="3693319"/>
           </a:xfrm>
           <a:prstGeom prst="rect">
             <a:avLst/>
@@ -13193,7 +14476,7 @@
               <a:t>απλό και ελαφρύ </a:t>
             </a:r>
             <a:r>
-              <a:rPr lang="el-GR" dirty="0" err="1">
+              <a:rPr lang="en-US" dirty="0">
                 <a:effectLst>
                   <a:outerShdw blurRad="38100" dist="38100" dir="2700000" algn="tl">
                     <a:srgbClr val="000000">
@@ -13202,7 +14485,7 @@
                   </a:outerShdw>
                 </a:effectLst>
               </a:rPr>
-              <a:t>συνελικτικό</a:t>
+              <a:t>CNN</a:t>
             </a:r>
             <a:r>
               <a:rPr lang="el-GR" dirty="0">
@@ -13214,31 +14497,7 @@
                   </a:outerShdw>
                 </a:effectLst>
               </a:rPr>
-              <a:t> </a:t>
-            </a:r>
-            <a:r>
-              <a:rPr lang="el-GR" dirty="0" err="1">
-                <a:effectLst>
-                  <a:outerShdw blurRad="38100" dist="38100" dir="2700000" algn="tl">
-                    <a:srgbClr val="000000">
-                      <a:alpha val="43137"/>
-                    </a:srgbClr>
-                  </a:outerShdw>
-                </a:effectLst>
-              </a:rPr>
-              <a:t>νευρωνικό</a:t>
-            </a:r>
-            <a:r>
-              <a:rPr lang="el-GR" dirty="0">
-                <a:effectLst>
-                  <a:outerShdw blurRad="38100" dist="38100" dir="2700000" algn="tl">
-                    <a:srgbClr val="000000">
-                      <a:alpha val="43137"/>
-                    </a:srgbClr>
-                  </a:outerShdw>
-                </a:effectLst>
-              </a:rPr>
-              <a:t> δίκτυο, σχεδιασμένο ως </a:t>
+              <a:t>, σχεδιασμένο ως </a:t>
             </a:r>
             <a:r>
               <a:rPr lang="en-US" dirty="0">
@@ -13347,6 +14606,21 @@
           </a:p>
           <a:p>
             <a:pPr marL="285750" indent="-285750" algn="just">
+              <a:buFont typeface="Wingdings" panose="05000000000000000000" pitchFamily="2" charset="2"/>
+              <a:buChar char="q"/>
+            </a:pPr>
+            <a:endParaRPr lang="el-GR" sz="1600" dirty="0">
+              <a:effectLst>
+                <a:outerShdw blurRad="38100" dist="38100" dir="2700000" algn="tl">
+                  <a:srgbClr val="000000">
+                    <a:alpha val="43137"/>
+                  </a:srgbClr>
+                </a:outerShdw>
+              </a:effectLst>
+            </a:endParaRPr>
+          </a:p>
+          <a:p>
+            <a:pPr marL="285750" indent="-285750" algn="just">
               <a:buFont typeface="Arial" panose="020B0604020202020204" pitchFamily="34" charset="0"/>
               <a:buChar char="•"/>
             </a:pPr>
@@ -13436,33 +14710,6 @@
           </a:p>
           <a:p>
             <a:pPr lvl="1" algn="just"/>
-            <a:endParaRPr lang="el-GR" sz="1600" dirty="0"/>
-          </a:p>
-          <a:p>
-            <a:pPr marL="285750" indent="-285750" algn="just">
-              <a:buFont typeface="Wingdings" panose="05000000000000000000" pitchFamily="2" charset="2"/>
-              <a:buChar char="Ø"/>
-            </a:pPr>
-            <a:r>
-              <a:rPr lang="el-GR" sz="1600" dirty="0">
-                <a:effectLst>
-                  <a:outerShdw blurRad="38100" dist="38100" dir="2700000" algn="tl">
-                    <a:srgbClr val="000000">
-                      <a:alpha val="43137"/>
-                    </a:srgbClr>
-                  </a:outerShdw>
-                </a:effectLst>
-              </a:rPr>
-              <a:t>Στόχος: </a:t>
-            </a:r>
-            <a:r>
-              <a:rPr lang="el-GR" sz="1600" dirty="0"/>
-              <a:t>Να αποτελέσει σημείο εκκίνησης για αξιολόγηση και πειραματισμό, με χαμηλή υπολογιστική απαίτηση και ικανοποιητική απόδοση (~75%) στο </a:t>
-            </a:r>
-            <a:r>
-              <a:rPr lang="en-US" sz="1600" dirty="0"/>
-              <a:t>validation set.</a:t>
-            </a:r>
             <a:endParaRPr lang="el-GR" sz="1600" dirty="0"/>
           </a:p>
         </p:txBody>
@@ -13888,7 +15135,7 @@
             </a:r>
             <a:r>
               <a:rPr lang="el-GR" dirty="0"/>
-              <a:t>: ~244 δευτερόλεπτα (4 λεπτά)</a:t>
+              <a:t>: ~244 δευτερόλεπτα (4 λεπτά).</a:t>
             </a:r>
           </a:p>
         </p:txBody>
@@ -14024,7 +15271,7 @@
         <p:spPr>
           <a:xfrm>
             <a:off x="322728" y="2111882"/>
-            <a:ext cx="8487785" cy="3693319"/>
+            <a:ext cx="8487785" cy="3447098"/>
           </a:xfrm>
           <a:prstGeom prst="rect">
             <a:avLst/>
@@ -14080,10 +15327,10 @@
                 <a:ea typeface="+mn-ea"/>
                 <a:cs typeface="+mn-cs"/>
               </a:rPr>
-              <a:t>βαθύτερο και πιο ισχυρό </a:t>
-            </a:r>
-            <a:r>
-              <a:rPr kumimoji="0" lang="el-GR" sz="1800" b="0" i="0" u="none" strike="noStrike" kern="1200" cap="none" spc="0" normalizeH="0" baseline="0" noProof="0" dirty="0" err="1">
+              <a:t>βαθύτερο και πιο ισχυρό</a:t>
+            </a:r>
+            <a:r>
+              <a:rPr kumimoji="0" lang="en-US" sz="1800" b="0" i="0" u="none" strike="noStrike" kern="1200" cap="none" spc="0" normalizeH="0" baseline="0" noProof="0" dirty="0">
                 <a:ln>
                   <a:noFill/>
                 </a:ln>
@@ -14103,7 +15350,7 @@
                 <a:ea typeface="+mn-ea"/>
                 <a:cs typeface="+mn-cs"/>
               </a:rPr>
-              <a:t>συνελικτικό</a:t>
+              <a:t> CNN</a:t>
             </a:r>
             <a:r>
               <a:rPr kumimoji="0" lang="el-GR" sz="1800" b="0" i="0" u="none" strike="noStrike" kern="1200" cap="none" spc="0" normalizeH="0" baseline="0" noProof="0" dirty="0">
@@ -14126,53 +15373,7 @@
                 <a:ea typeface="+mn-ea"/>
                 <a:cs typeface="+mn-cs"/>
               </a:rPr>
-              <a:t> </a:t>
-            </a:r>
-            <a:r>
-              <a:rPr kumimoji="0" lang="el-GR" sz="1800" b="0" i="0" u="none" strike="noStrike" kern="1200" cap="none" spc="0" normalizeH="0" baseline="0" noProof="0" dirty="0" err="1">
-                <a:ln>
-                  <a:noFill/>
-                </a:ln>
-                <a:solidFill>
-                  <a:srgbClr val="000000"/>
-                </a:solidFill>
-                <a:effectLst>
-                  <a:outerShdw blurRad="38100" dist="38100" dir="2700000" algn="tl">
-                    <a:srgbClr val="000000">
-                      <a:alpha val="43137"/>
-                    </a:srgbClr>
-                  </a:outerShdw>
-                </a:effectLst>
-                <a:uLnTx/>
-                <a:uFillTx/>
-                <a:latin typeface="Corbel" panose="020B0503020204020204" pitchFamily="34" charset="0"/>
-                <a:ea typeface="+mn-ea"/>
-                <a:cs typeface="+mn-cs"/>
-              </a:rPr>
-              <a:t>νευρωνικό</a:t>
-            </a:r>
-            <a:r>
-              <a:rPr kumimoji="0" lang="el-GR" sz="1800" b="0" i="0" u="none" strike="noStrike" kern="1200" cap="none" spc="0" normalizeH="0" baseline="0" noProof="0" dirty="0">
-                <a:ln>
-                  <a:noFill/>
-                </a:ln>
-                <a:solidFill>
-                  <a:srgbClr val="000000"/>
-                </a:solidFill>
-                <a:effectLst>
-                  <a:outerShdw blurRad="38100" dist="38100" dir="2700000" algn="tl">
-                    <a:srgbClr val="000000">
-                      <a:alpha val="43137"/>
-                    </a:srgbClr>
-                  </a:outerShdw>
-                </a:effectLst>
-                <a:uLnTx/>
-                <a:uFillTx/>
-                <a:latin typeface="Corbel" panose="020B0503020204020204" pitchFamily="34" charset="0"/>
-                <a:ea typeface="+mn-ea"/>
-                <a:cs typeface="+mn-cs"/>
-              </a:rPr>
-              <a:t> δίκτυο, με αυξημένη ικανότητα αναπαράστασης. </a:t>
+              <a:t>, με αυξημένη ικανότητα αναπαράστασης. </a:t>
             </a:r>
             <a:endParaRPr kumimoji="0" lang="en-US" sz="1800" b="0" i="0" u="none" strike="noStrike" kern="1200" cap="none" spc="0" normalizeH="0" baseline="0" noProof="0" dirty="0">
               <a:ln>
@@ -14350,6 +15551,21 @@
           </a:p>
           <a:p>
             <a:pPr marL="285750" indent="-285750" algn="just">
+              <a:buFont typeface="Wingdings" panose="05000000000000000000" pitchFamily="2" charset="2"/>
+              <a:buChar char="q"/>
+            </a:pPr>
+            <a:endParaRPr lang="el-GR" sz="1600" dirty="0">
+              <a:effectLst>
+                <a:outerShdw blurRad="38100" dist="38100" dir="2700000" algn="tl">
+                  <a:srgbClr val="000000">
+                    <a:alpha val="43137"/>
+                  </a:srgbClr>
+                </a:outerShdw>
+              </a:effectLst>
+            </a:endParaRPr>
+          </a:p>
+          <a:p>
+            <a:pPr marL="285750" indent="-285750" algn="just">
               <a:buFont typeface="Arial" panose="020B0604020202020204" pitchFamily="34" charset="0"/>
               <a:buChar char="•"/>
             </a:pPr>
@@ -14463,53 +15679,7 @@
             <a:endParaRPr lang="en-US" sz="1600" dirty="0"/>
           </a:p>
           <a:p>
-            <a:pPr marL="742950" lvl="1" indent="-285750" algn="just">
-              <a:buFont typeface="Wingdings" panose="05000000000000000000" pitchFamily="2" charset="2"/>
-              <a:buChar char="ü"/>
-            </a:pPr>
-            <a:endParaRPr lang="el-GR" sz="1600" dirty="0"/>
-          </a:p>
-          <a:p>
-            <a:pPr marL="285750" indent="-285750" algn="just">
-              <a:buFont typeface="Wingdings" panose="05000000000000000000" pitchFamily="2" charset="2"/>
-              <a:buChar char="Ø"/>
-            </a:pPr>
-            <a:r>
-              <a:rPr lang="el-GR" sz="1600" dirty="0">
-                <a:effectLst>
-                  <a:outerShdw blurRad="38100" dist="38100" dir="2700000" algn="tl">
-                    <a:srgbClr val="000000">
-                      <a:alpha val="43137"/>
-                    </a:srgbClr>
-                  </a:outerShdw>
-                </a:effectLst>
-              </a:rPr>
-              <a:t>Στόχος: </a:t>
-            </a:r>
-            <a:r>
-              <a:rPr lang="el-GR" sz="1600" dirty="0"/>
-              <a:t>Ανάπτυξη ενός πιο "εκφραστικού" μοντέλου που να μπορεί να συλλάβει πιο σύνθετα μοτίβα, με πιθανό ρίσκο </a:t>
-            </a:r>
-            <a:r>
-              <a:rPr lang="el-GR" sz="1600" dirty="0" err="1"/>
-              <a:t>υπερεκπαίδευσης</a:t>
-            </a:r>
-            <a:r>
-              <a:rPr lang="el-GR" sz="1600" dirty="0"/>
-              <a:t> (</a:t>
-            </a:r>
-            <a:r>
-              <a:rPr lang="en-US" sz="1600" dirty="0"/>
-              <a:t>overfitting), </a:t>
-            </a:r>
-            <a:r>
-              <a:rPr lang="el-GR" sz="1600" dirty="0"/>
-              <a:t>χωρίς κατάλληλο </a:t>
-            </a:r>
-            <a:r>
-              <a:rPr lang="en-US" sz="1600" dirty="0"/>
-              <a:t>regularization.</a:t>
-            </a:r>
+            <a:pPr lvl="1" algn="just"/>
             <a:endParaRPr lang="el-GR" sz="1600" dirty="0"/>
           </a:p>
         </p:txBody>
@@ -14696,10 +15866,7 @@
             </a:r>
           </a:p>
           <a:p>
-            <a:pPr marL="285750" indent="-285750" algn="just">
-              <a:buFont typeface="Arial" panose="020B0604020202020204" pitchFamily="34" charset="0"/>
-              <a:buChar char="•"/>
-            </a:pPr>
+            <a:pPr algn="just"/>
             <a:endParaRPr lang="en-US" dirty="0"/>
           </a:p>
           <a:p>
@@ -14938,7 +16105,7 @@
             </a:r>
             <a:r>
               <a:rPr lang="el-GR" dirty="0"/>
-              <a:t> λεπτά)</a:t>
+              <a:t> λεπτά).</a:t>
             </a:r>
           </a:p>
         </p:txBody>
